--- a/Credit_Loan_Analysis_PPT.pptx
+++ b/Credit_Loan_Analysis_PPT.pptx
@@ -440,13 +440,13 @@
   <p:clrMapOvr>
     <a:masterClrMapping/>
   </p:clrMapOvr>
-  <mc:AlternateContent xmlns:mc="http://schemas.openxmlformats.org/markup-compatibility/2006">
-    <mc:Choice xmlns:p159="http://schemas.microsoft.com/office/powerpoint/2015/09/main" Requires="p159">
+  <mc:AlternateContent xmlns:mc="http://schemas.openxmlformats.org/markup-compatibility/2006" xmlns:p159="http://schemas.microsoft.com/office/powerpoint/2015/09/main">
+    <mc:Choice Requires="p159">
       <p:transition xmlns:p14="http://schemas.microsoft.com/office/powerpoint/2010/main" spd="slow" p14:dur="2000">
         <p159:morph option="byObject"/>
       </p:transition>
     </mc:Choice>
-    <mc:Fallback>
+    <mc:Fallback xmlns="">
       <p:transition spd="slow">
         <p:fade/>
       </p:transition>
@@ -640,13 +640,13 @@
   <p:clrMapOvr>
     <a:masterClrMapping/>
   </p:clrMapOvr>
-  <mc:AlternateContent xmlns:mc="http://schemas.openxmlformats.org/markup-compatibility/2006">
-    <mc:Choice xmlns:p159="http://schemas.microsoft.com/office/powerpoint/2015/09/main" Requires="p159">
+  <mc:AlternateContent xmlns:mc="http://schemas.openxmlformats.org/markup-compatibility/2006" xmlns:p159="http://schemas.microsoft.com/office/powerpoint/2015/09/main">
+    <mc:Choice Requires="p159">
       <p:transition xmlns:p14="http://schemas.microsoft.com/office/powerpoint/2010/main" spd="slow" p14:dur="2000">
         <p159:morph option="byObject"/>
       </p:transition>
     </mc:Choice>
-    <mc:Fallback>
+    <mc:Fallback xmlns="">
       <p:transition spd="slow">
         <p:fade/>
       </p:transition>
@@ -894,13 +894,13 @@
   <p:clrMapOvr>
     <a:masterClrMapping/>
   </p:clrMapOvr>
-  <mc:AlternateContent xmlns:mc="http://schemas.openxmlformats.org/markup-compatibility/2006">
-    <mc:Choice xmlns:p159="http://schemas.microsoft.com/office/powerpoint/2015/09/main" Requires="p159">
+  <mc:AlternateContent xmlns:mc="http://schemas.openxmlformats.org/markup-compatibility/2006" xmlns:p159="http://schemas.microsoft.com/office/powerpoint/2015/09/main">
+    <mc:Choice Requires="p159">
       <p:transition xmlns:p14="http://schemas.microsoft.com/office/powerpoint/2010/main" spd="slow" p14:dur="2000">
         <p159:morph option="byObject"/>
       </p:transition>
     </mc:Choice>
-    <mc:Fallback>
+    <mc:Fallback xmlns="">
       <p:transition spd="slow">
         <p:fade/>
       </p:transition>
@@ -1094,13 +1094,13 @@
   <p:clrMapOvr>
     <a:masterClrMapping/>
   </p:clrMapOvr>
-  <mc:AlternateContent xmlns:mc="http://schemas.openxmlformats.org/markup-compatibility/2006">
-    <mc:Choice xmlns:p159="http://schemas.microsoft.com/office/powerpoint/2015/09/main" Requires="p159">
+  <mc:AlternateContent xmlns:mc="http://schemas.openxmlformats.org/markup-compatibility/2006" xmlns:p159="http://schemas.microsoft.com/office/powerpoint/2015/09/main">
+    <mc:Choice Requires="p159">
       <p:transition xmlns:p14="http://schemas.microsoft.com/office/powerpoint/2010/main" spd="slow" p14:dur="2000">
         <p159:morph option="byObject"/>
       </p:transition>
     </mc:Choice>
-    <mc:Fallback>
+    <mc:Fallback xmlns="">
       <p:transition spd="slow">
         <p:fade/>
       </p:transition>
@@ -1479,13 +1479,13 @@
   <p:clrMapOvr>
     <a:masterClrMapping/>
   </p:clrMapOvr>
-  <mc:AlternateContent xmlns:mc="http://schemas.openxmlformats.org/markup-compatibility/2006">
-    <mc:Choice xmlns:p159="http://schemas.microsoft.com/office/powerpoint/2015/09/main" Requires="p159">
+  <mc:AlternateContent xmlns:mc="http://schemas.openxmlformats.org/markup-compatibility/2006" xmlns:p159="http://schemas.microsoft.com/office/powerpoint/2015/09/main">
+    <mc:Choice Requires="p159">
       <p:transition xmlns:p14="http://schemas.microsoft.com/office/powerpoint/2010/main" spd="slow" p14:dur="2000">
         <p159:morph option="byObject"/>
       </p:transition>
     </mc:Choice>
-    <mc:Fallback>
+    <mc:Fallback xmlns="">
       <p:transition spd="slow">
         <p:fade/>
       </p:transition>
@@ -1746,13 +1746,13 @@
   <p:clrMapOvr>
     <a:masterClrMapping/>
   </p:clrMapOvr>
-  <mc:AlternateContent xmlns:mc="http://schemas.openxmlformats.org/markup-compatibility/2006">
-    <mc:Choice xmlns:p159="http://schemas.microsoft.com/office/powerpoint/2015/09/main" Requires="p159">
+  <mc:AlternateContent xmlns:mc="http://schemas.openxmlformats.org/markup-compatibility/2006" xmlns:p159="http://schemas.microsoft.com/office/powerpoint/2015/09/main">
+    <mc:Choice Requires="p159">
       <p:transition xmlns:p14="http://schemas.microsoft.com/office/powerpoint/2010/main" spd="slow" p14:dur="2000">
         <p159:morph option="byObject"/>
       </p:transition>
     </mc:Choice>
-    <mc:Fallback>
+    <mc:Fallback xmlns="">
       <p:transition spd="slow">
         <p:fade/>
       </p:transition>
@@ -2155,13 +2155,13 @@
   <p:clrMapOvr>
     <a:masterClrMapping/>
   </p:clrMapOvr>
-  <mc:AlternateContent xmlns:mc="http://schemas.openxmlformats.org/markup-compatibility/2006">
-    <mc:Choice xmlns:p159="http://schemas.microsoft.com/office/powerpoint/2015/09/main" Requires="p159">
+  <mc:AlternateContent xmlns:mc="http://schemas.openxmlformats.org/markup-compatibility/2006" xmlns:p159="http://schemas.microsoft.com/office/powerpoint/2015/09/main">
+    <mc:Choice Requires="p159">
       <p:transition xmlns:p14="http://schemas.microsoft.com/office/powerpoint/2010/main" spd="slow" p14:dur="2000">
         <p159:morph option="byObject"/>
       </p:transition>
     </mc:Choice>
-    <mc:Fallback>
+    <mc:Fallback xmlns="">
       <p:transition spd="slow">
         <p:fade/>
       </p:transition>
@@ -2303,13 +2303,13 @@
   <p:clrMapOvr>
     <a:masterClrMapping/>
   </p:clrMapOvr>
-  <mc:AlternateContent xmlns:mc="http://schemas.openxmlformats.org/markup-compatibility/2006">
-    <mc:Choice xmlns:p159="http://schemas.microsoft.com/office/powerpoint/2015/09/main" Requires="p159">
+  <mc:AlternateContent xmlns:mc="http://schemas.openxmlformats.org/markup-compatibility/2006" xmlns:p159="http://schemas.microsoft.com/office/powerpoint/2015/09/main">
+    <mc:Choice Requires="p159">
       <p:transition xmlns:p14="http://schemas.microsoft.com/office/powerpoint/2010/main" spd="slow" p14:dur="2000">
         <p159:morph option="byObject"/>
       </p:transition>
     </mc:Choice>
-    <mc:Fallback>
+    <mc:Fallback xmlns="">
       <p:transition spd="slow">
         <p:fade/>
       </p:transition>
@@ -2472,13 +2472,13 @@
   <p:clrMapOvr>
     <a:masterClrMapping/>
   </p:clrMapOvr>
-  <mc:AlternateContent xmlns:mc="http://schemas.openxmlformats.org/markup-compatibility/2006">
-    <mc:Choice xmlns:p159="http://schemas.microsoft.com/office/powerpoint/2015/09/main" Requires="p159">
+  <mc:AlternateContent xmlns:mc="http://schemas.openxmlformats.org/markup-compatibility/2006" xmlns:p159="http://schemas.microsoft.com/office/powerpoint/2015/09/main">
+    <mc:Choice Requires="p159">
       <p:transition xmlns:p14="http://schemas.microsoft.com/office/powerpoint/2010/main" spd="slow" p14:dur="2000">
         <p159:morph option="byObject"/>
       </p:transition>
     </mc:Choice>
-    <mc:Fallback>
+    <mc:Fallback xmlns="">
       <p:transition spd="slow">
         <p:fade/>
       </p:transition>
@@ -2823,13 +2823,13 @@
   <p:clrMapOvr>
     <a:masterClrMapping/>
   </p:clrMapOvr>
-  <mc:AlternateContent xmlns:mc="http://schemas.openxmlformats.org/markup-compatibility/2006">
-    <mc:Choice xmlns:p159="http://schemas.microsoft.com/office/powerpoint/2015/09/main" Requires="p159">
+  <mc:AlternateContent xmlns:mc="http://schemas.openxmlformats.org/markup-compatibility/2006" xmlns:p159="http://schemas.microsoft.com/office/powerpoint/2015/09/main">
+    <mc:Choice Requires="p159">
       <p:transition xmlns:p14="http://schemas.microsoft.com/office/powerpoint/2010/main" spd="slow" p14:dur="2000">
         <p159:morph option="byObject"/>
       </p:transition>
     </mc:Choice>
-    <mc:Fallback>
+    <mc:Fallback xmlns="">
       <p:transition spd="slow">
         <p:fade/>
       </p:transition>
@@ -3169,13 +3169,13 @@
   <p:clrMapOvr>
     <a:masterClrMapping/>
   </p:clrMapOvr>
-  <mc:AlternateContent xmlns:mc="http://schemas.openxmlformats.org/markup-compatibility/2006">
-    <mc:Choice xmlns:p159="http://schemas.microsoft.com/office/powerpoint/2015/09/main" Requires="p159">
+  <mc:AlternateContent xmlns:mc="http://schemas.openxmlformats.org/markup-compatibility/2006" xmlns:p159="http://schemas.microsoft.com/office/powerpoint/2015/09/main">
+    <mc:Choice Requires="p159">
       <p:transition xmlns:p14="http://schemas.microsoft.com/office/powerpoint/2010/main" spd="slow" p14:dur="2000">
         <p159:morph option="byObject"/>
       </p:transition>
     </mc:Choice>
-    <mc:Fallback>
+    <mc:Fallback xmlns="">
       <p:transition spd="slow">
         <p:fade/>
       </p:transition>
@@ -3523,13 +3523,13 @@
     <p:sldLayoutId id="2147483736" r:id="rId10"/>
     <p:sldLayoutId id="2147483737" r:id="rId11"/>
   </p:sldLayoutIdLst>
-  <mc:AlternateContent xmlns:mc="http://schemas.openxmlformats.org/markup-compatibility/2006">
-    <mc:Choice xmlns:p159="http://schemas.microsoft.com/office/powerpoint/2015/09/main" Requires="p159">
+  <mc:AlternateContent xmlns:mc="http://schemas.openxmlformats.org/markup-compatibility/2006" xmlns:p159="http://schemas.microsoft.com/office/powerpoint/2015/09/main">
+    <mc:Choice Requires="p159">
       <p:transition xmlns:p14="http://schemas.microsoft.com/office/powerpoint/2010/main" spd="slow" p14:dur="2000">
         <p159:morph option="byObject"/>
       </p:transition>
     </mc:Choice>
-    <mc:Fallback>
+    <mc:Fallback xmlns="">
       <p:transition spd="slow">
         <p:fade/>
       </p:transition>
@@ -4180,13 +4180,13 @@
   <p:clrMapOvr>
     <a:masterClrMapping/>
   </p:clrMapOvr>
-  <mc:AlternateContent xmlns:mc="http://schemas.openxmlformats.org/markup-compatibility/2006">
-    <mc:Choice xmlns:p159="http://schemas.microsoft.com/office/powerpoint/2015/09/main" Requires="p159">
+  <mc:AlternateContent xmlns:mc="http://schemas.openxmlformats.org/markup-compatibility/2006" xmlns:p159="http://schemas.microsoft.com/office/powerpoint/2015/09/main">
+    <mc:Choice Requires="p159">
       <p:transition xmlns:p14="http://schemas.microsoft.com/office/powerpoint/2010/main" spd="slow" p14:dur="2000">
         <p159:morph option="byObject"/>
       </p:transition>
     </mc:Choice>
-    <mc:Fallback>
+    <mc:Fallback xmlns="">
       <p:transition spd="slow">
         <p:fade/>
       </p:transition>
@@ -4335,13 +4335,13 @@
   <p:clrMapOvr>
     <a:masterClrMapping/>
   </p:clrMapOvr>
-  <mc:AlternateContent xmlns:mc="http://schemas.openxmlformats.org/markup-compatibility/2006">
-    <mc:Choice xmlns:p159="http://schemas.microsoft.com/office/powerpoint/2015/09/main" Requires="p159">
+  <mc:AlternateContent xmlns:mc="http://schemas.openxmlformats.org/markup-compatibility/2006" xmlns:p159="http://schemas.microsoft.com/office/powerpoint/2015/09/main">
+    <mc:Choice Requires="p159">
       <p:transition xmlns:p14="http://schemas.microsoft.com/office/powerpoint/2010/main" spd="slow" p14:dur="2000">
         <p159:morph option="byObject"/>
       </p:transition>
     </mc:Choice>
-    <mc:Fallback>
+    <mc:Fallback xmlns="">
       <p:transition spd="slow">
         <p:fade/>
       </p:transition>
@@ -4511,7 +4511,7 @@
             </a:pPr>
             <a:r>
               <a:rPr lang="en-US" dirty="0"/>
-              <a:t> Evaluate the model</a:t>
+              <a:t> Evaluate the model (38% accuracy)</a:t>
             </a:r>
           </a:p>
         </p:txBody>
@@ -4556,13 +4556,13 @@
   <p:clrMapOvr>
     <a:masterClrMapping/>
   </p:clrMapOvr>
-  <mc:AlternateContent xmlns:mc="http://schemas.openxmlformats.org/markup-compatibility/2006">
-    <mc:Choice xmlns:p159="http://schemas.microsoft.com/office/powerpoint/2015/09/main" Requires="p159">
+  <mc:AlternateContent xmlns:mc="http://schemas.openxmlformats.org/markup-compatibility/2006" xmlns:p159="http://schemas.microsoft.com/office/powerpoint/2015/09/main">
+    <mc:Choice Requires="p159">
       <p:transition xmlns:p14="http://schemas.microsoft.com/office/powerpoint/2010/main" spd="slow" p14:dur="2000">
         <p159:morph option="byObject"/>
       </p:transition>
     </mc:Choice>
-    <mc:Fallback>
+    <mc:Fallback xmlns="">
       <p:transition spd="slow">
         <p:fade/>
       </p:transition>
@@ -4713,13 +4713,13 @@
   <p:clrMapOvr>
     <a:masterClrMapping/>
   </p:clrMapOvr>
-  <mc:AlternateContent xmlns:mc="http://schemas.openxmlformats.org/markup-compatibility/2006">
-    <mc:Choice xmlns:p159="http://schemas.microsoft.com/office/powerpoint/2015/09/main" Requires="p159">
+  <mc:AlternateContent xmlns:mc="http://schemas.openxmlformats.org/markup-compatibility/2006" xmlns:p159="http://schemas.microsoft.com/office/powerpoint/2015/09/main">
+    <mc:Choice Requires="p159">
       <p:transition xmlns:p14="http://schemas.microsoft.com/office/powerpoint/2010/main" spd="slow" p14:dur="2000">
         <p159:morph option="byObject"/>
       </p:transition>
     </mc:Choice>
-    <mc:Fallback>
+    <mc:Fallback xmlns="">
       <p:transition spd="slow">
         <p:fade/>
       </p:transition>
@@ -4905,13 +4905,13 @@
   <p:clrMapOvr>
     <a:masterClrMapping/>
   </p:clrMapOvr>
-  <mc:AlternateContent xmlns:mc="http://schemas.openxmlformats.org/markup-compatibility/2006">
-    <mc:Choice xmlns:p159="http://schemas.microsoft.com/office/powerpoint/2015/09/main" Requires="p159">
+  <mc:AlternateContent xmlns:mc="http://schemas.openxmlformats.org/markup-compatibility/2006" xmlns:p159="http://schemas.microsoft.com/office/powerpoint/2015/09/main">
+    <mc:Choice Requires="p159">
       <p:transition xmlns:p14="http://schemas.microsoft.com/office/powerpoint/2010/main" spd="slow" p14:dur="2000">
         <p159:morph option="byObject"/>
       </p:transition>
     </mc:Choice>
-    <mc:Fallback>
+    <mc:Fallback xmlns="">
       <p:transition spd="slow">
         <p:fade/>
       </p:transition>
@@ -5079,13 +5079,13 @@
   <p:clrMapOvr>
     <a:masterClrMapping/>
   </p:clrMapOvr>
-  <mc:AlternateContent xmlns:mc="http://schemas.openxmlformats.org/markup-compatibility/2006">
-    <mc:Choice xmlns:p159="http://schemas.microsoft.com/office/powerpoint/2015/09/main" Requires="p159">
+  <mc:AlternateContent xmlns:mc="http://schemas.openxmlformats.org/markup-compatibility/2006" xmlns:p159="http://schemas.microsoft.com/office/powerpoint/2015/09/main">
+    <mc:Choice Requires="p159">
       <p:transition xmlns:p14="http://schemas.microsoft.com/office/powerpoint/2010/main" spd="slow" p14:dur="2000">
         <p159:morph option="byObject"/>
       </p:transition>
     </mc:Choice>
-    <mc:Fallback>
+    <mc:Fallback xmlns="">
       <p:transition spd="slow">
         <p:fade/>
       </p:transition>
@@ -5327,13 +5327,13 @@
   <p:clrMapOvr>
     <a:masterClrMapping/>
   </p:clrMapOvr>
-  <mc:AlternateContent xmlns:mc="http://schemas.openxmlformats.org/markup-compatibility/2006">
-    <mc:Choice xmlns:p159="http://schemas.microsoft.com/office/powerpoint/2015/09/main" Requires="p159">
+  <mc:AlternateContent xmlns:mc="http://schemas.openxmlformats.org/markup-compatibility/2006" xmlns:p159="http://schemas.microsoft.com/office/powerpoint/2015/09/main">
+    <mc:Choice Requires="p159">
       <p:transition xmlns:p14="http://schemas.microsoft.com/office/powerpoint/2010/main" spd="slow" p14:dur="2000">
         <p159:morph option="byObject"/>
       </p:transition>
     </mc:Choice>
-    <mc:Fallback>
+    <mc:Fallback xmlns="">
       <p:transition spd="slow">
         <p:fade/>
       </p:transition>
@@ -5501,13 +5501,13 @@
   <p:clrMapOvr>
     <a:masterClrMapping/>
   </p:clrMapOvr>
-  <mc:AlternateContent xmlns:mc="http://schemas.openxmlformats.org/markup-compatibility/2006">
-    <mc:Choice xmlns:p159="http://schemas.microsoft.com/office/powerpoint/2015/09/main" Requires="p159">
+  <mc:AlternateContent xmlns:mc="http://schemas.openxmlformats.org/markup-compatibility/2006" xmlns:p159="http://schemas.microsoft.com/office/powerpoint/2015/09/main">
+    <mc:Choice Requires="p159">
       <p:transition xmlns:p14="http://schemas.microsoft.com/office/powerpoint/2010/main" spd="slow" p14:dur="2000">
         <p159:morph option="byObject"/>
       </p:transition>
     </mc:Choice>
-    <mc:Fallback>
+    <mc:Fallback xmlns="">
       <p:transition spd="slow">
         <p:fade/>
       </p:transition>
@@ -5670,13 +5670,13 @@
   <p:clrMapOvr>
     <a:masterClrMapping/>
   </p:clrMapOvr>
-  <mc:AlternateContent xmlns:mc="http://schemas.openxmlformats.org/markup-compatibility/2006">
-    <mc:Choice xmlns:p159="http://schemas.microsoft.com/office/powerpoint/2015/09/main" Requires="p159">
+  <mc:AlternateContent xmlns:mc="http://schemas.openxmlformats.org/markup-compatibility/2006" xmlns:p159="http://schemas.microsoft.com/office/powerpoint/2015/09/main">
+    <mc:Choice Requires="p159">
       <p:transition xmlns:p14="http://schemas.microsoft.com/office/powerpoint/2010/main" spd="slow" p14:dur="2000">
         <p159:morph option="byObject"/>
       </p:transition>
     </mc:Choice>
-    <mc:Fallback>
+    <mc:Fallback xmlns="">
       <p:transition spd="slow">
         <p:fade/>
       </p:transition>
@@ -5785,6 +5785,16 @@
               <a:buFont typeface="Wingdings" panose="05000000000000000000" pitchFamily="2" charset="2"/>
               <a:buChar char="q"/>
             </a:pPr>
+            <a:r>
+              <a:rPr lang="en-US" dirty="0"/>
+              <a:t> Decided that target column would be Loan Type</a:t>
+            </a:r>
+          </a:p>
+          <a:p>
+            <a:pPr>
+              <a:buFont typeface="Wingdings" panose="05000000000000000000" pitchFamily="2" charset="2"/>
+              <a:buChar char="q"/>
+            </a:pPr>
             <a:endParaRPr lang="en-US" dirty="0"/>
           </a:p>
         </p:txBody>
@@ -5799,13 +5809,13 @@
   <p:clrMapOvr>
     <a:masterClrMapping/>
   </p:clrMapOvr>
-  <mc:AlternateContent xmlns:mc="http://schemas.openxmlformats.org/markup-compatibility/2006">
-    <mc:Choice xmlns:p159="http://schemas.microsoft.com/office/powerpoint/2015/09/main" Requires="p159">
+  <mc:AlternateContent xmlns:mc="http://schemas.openxmlformats.org/markup-compatibility/2006" xmlns:p159="http://schemas.microsoft.com/office/powerpoint/2015/09/main">
+    <mc:Choice Requires="p159">
       <p:transition xmlns:p14="http://schemas.microsoft.com/office/powerpoint/2010/main" spd="slow" p14:dur="2000">
         <p159:morph option="byObject"/>
       </p:transition>
     </mc:Choice>
-    <mc:Fallback>
+    <mc:Fallback xmlns="">
       <p:transition spd="slow">
         <p:fade/>
       </p:transition>
@@ -6073,13 +6083,13 @@
   <p:clrMapOvr>
     <a:masterClrMapping/>
   </p:clrMapOvr>
-  <mc:AlternateContent xmlns:mc="http://schemas.openxmlformats.org/markup-compatibility/2006">
-    <mc:Choice xmlns:p159="http://schemas.microsoft.com/office/powerpoint/2015/09/main" Requires="p159">
+  <mc:AlternateContent xmlns:mc="http://schemas.openxmlformats.org/markup-compatibility/2006" xmlns:p159="http://schemas.microsoft.com/office/powerpoint/2015/09/main">
+    <mc:Choice Requires="p159">
       <p:transition xmlns:p14="http://schemas.microsoft.com/office/powerpoint/2010/main" spd="slow" p14:dur="2000">
         <p159:morph option="byObject"/>
       </p:transition>
     </mc:Choice>
-    <mc:Fallback>
+    <mc:Fallback xmlns="">
       <p:transition spd="slow">
         <p:fade/>
       </p:transition>
@@ -6210,7 +6220,7 @@
             </a:pPr>
             <a:r>
               <a:rPr lang="en-US" dirty="0"/>
-              <a:t> Evaluated the model</a:t>
+              <a:t> Evaluated the model (39% accuracy)</a:t>
             </a:r>
           </a:p>
         </p:txBody>
@@ -6255,13 +6265,13 @@
   <p:clrMapOvr>
     <a:masterClrMapping/>
   </p:clrMapOvr>
-  <mc:AlternateContent xmlns:mc="http://schemas.openxmlformats.org/markup-compatibility/2006">
-    <mc:Choice xmlns:p159="http://schemas.microsoft.com/office/powerpoint/2015/09/main" Requires="p159">
+  <mc:AlternateContent xmlns:mc="http://schemas.openxmlformats.org/markup-compatibility/2006" xmlns:p159="http://schemas.microsoft.com/office/powerpoint/2015/09/main">
+    <mc:Choice Requires="p159">
       <p:transition xmlns:p14="http://schemas.microsoft.com/office/powerpoint/2010/main" spd="slow" p14:dur="2000">
         <p159:morph option="byObject"/>
       </p:transition>
     </mc:Choice>
-    <mc:Fallback>
+    <mc:Fallback xmlns="">
       <p:transition spd="slow">
         <p:fade/>
       </p:transition>
@@ -6398,13 +6408,13 @@
   <p:clrMapOvr>
     <a:masterClrMapping/>
   </p:clrMapOvr>
-  <mc:AlternateContent xmlns:mc="http://schemas.openxmlformats.org/markup-compatibility/2006">
-    <mc:Choice xmlns:p159="http://schemas.microsoft.com/office/powerpoint/2015/09/main" Requires="p159">
+  <mc:AlternateContent xmlns:mc="http://schemas.openxmlformats.org/markup-compatibility/2006" xmlns:p159="http://schemas.microsoft.com/office/powerpoint/2015/09/main">
+    <mc:Choice Requires="p159">
       <p:transition xmlns:p14="http://schemas.microsoft.com/office/powerpoint/2010/main" spd="slow" p14:dur="2000">
         <p159:morph option="byObject"/>
       </p:transition>
     </mc:Choice>
-    <mc:Fallback>
+    <mc:Fallback xmlns="">
       <p:transition spd="slow">
         <p:fade/>
       </p:transition>
@@ -6569,7 +6579,7 @@
             </a:pPr>
             <a:r>
               <a:rPr lang="en-US" dirty="0"/>
-              <a:t> Evaluate the model</a:t>
+              <a:t> Evaluate the model (34% accuracy)</a:t>
             </a:r>
           </a:p>
         </p:txBody>
@@ -6614,13 +6624,13 @@
   <p:clrMapOvr>
     <a:masterClrMapping/>
   </p:clrMapOvr>
-  <mc:AlternateContent xmlns:mc="http://schemas.openxmlformats.org/markup-compatibility/2006">
-    <mc:Choice xmlns:p159="http://schemas.microsoft.com/office/powerpoint/2015/09/main" Requires="p159">
+  <mc:AlternateContent xmlns:mc="http://schemas.openxmlformats.org/markup-compatibility/2006" xmlns:p159="http://schemas.microsoft.com/office/powerpoint/2015/09/main">
+    <mc:Choice Requires="p159">
       <p:transition xmlns:p14="http://schemas.microsoft.com/office/powerpoint/2010/main" spd="slow" p14:dur="2000">
         <p159:morph option="byObject"/>
       </p:transition>
     </mc:Choice>
-    <mc:Fallback>
+    <mc:Fallback xmlns="">
       <p:transition spd="slow">
         <p:fade/>
       </p:transition>
@@ -6706,7 +6716,7 @@
             </a:pPr>
             <a:r>
               <a:rPr lang="en-US" dirty="0"/>
-              <a:t> Train a Random Forest Classifier</a:t>
+              <a:t> Train a Random Forest Classifier using similar steps as the Decision Tree Model</a:t>
             </a:r>
           </a:p>
           <a:p>
@@ -6726,7 +6736,7 @@
             </a:pPr>
             <a:r>
               <a:rPr lang="en-US" dirty="0"/>
-              <a:t> Evaluate the model</a:t>
+              <a:t> Evaluate the model (34% accuracy)</a:t>
             </a:r>
           </a:p>
         </p:txBody>
@@ -6771,13 +6781,13 @@
   <p:clrMapOvr>
     <a:masterClrMapping/>
   </p:clrMapOvr>
-  <mc:AlternateContent xmlns:mc="http://schemas.openxmlformats.org/markup-compatibility/2006">
-    <mc:Choice xmlns:p159="http://schemas.microsoft.com/office/powerpoint/2015/09/main" Requires="p159">
+  <mc:AlternateContent xmlns:mc="http://schemas.openxmlformats.org/markup-compatibility/2006" xmlns:p159="http://schemas.microsoft.com/office/powerpoint/2015/09/main">
+    <mc:Choice Requires="p159">
       <p:transition xmlns:p14="http://schemas.microsoft.com/office/powerpoint/2010/main" spd="slow" p14:dur="2000">
         <p159:morph option="byObject"/>
       </p:transition>
     </mc:Choice>
-    <mc:Fallback>
+    <mc:Fallback xmlns="">
       <p:transition spd="slow">
         <p:fade/>
       </p:transition>
@@ -7070,6 +7080,15 @@
 </file>
 
 <file path=customXml/item1.xml><?xml version="1.0" encoding="utf-8"?>
+<?mso-contentType ?>
+<FormTemplates xmlns="http://schemas.microsoft.com/sharepoint/v3/contenttype/forms">
+  <Display>DocumentLibraryForm</Display>
+  <Edit>DocumentLibraryForm</Edit>
+  <New>DocumentLibraryForm</New>
+</FormTemplates>
+</file>
+
+<file path=customXml/item2.xml><?xml version="1.0" encoding="utf-8"?>
 <p:properties xmlns:p="http://schemas.microsoft.com/office/2006/metadata/properties" xmlns:xsi="http://www.w3.org/2001/XMLSchema-instance" xmlns:pc="http://schemas.microsoft.com/office/infopath/2007/PartnerControls">
   <documentManagement>
     <_ip_UnifiedCompliancePolicyUIAction xmlns="http://schemas.microsoft.com/sharepoint/v3" xsi:nil="true"/>
@@ -7087,15 +7106,6 @@
     <MediaServiceKeyPoints xmlns="71af3243-3dd4-4a8d-8c0d-dd76da1f02a5" xsi:nil="true"/>
   </documentManagement>
 </p:properties>
-</file>
-
-<file path=customXml/item2.xml><?xml version="1.0" encoding="utf-8"?>
-<?mso-contentType ?>
-<FormTemplates xmlns="http://schemas.microsoft.com/sharepoint/v3/contenttype/forms">
-  <Display>DocumentLibraryForm</Display>
-  <Edit>DocumentLibraryForm</Edit>
-  <New>DocumentLibraryForm</New>
-</FormTemplates>
 </file>
 
 <file path=customXml/item3.xml><?xml version="1.0" encoding="utf-8"?>
@@ -7405,6 +7415,14 @@
 </file>
 
 <file path=customXml/itemProps1.xml><?xml version="1.0" encoding="utf-8"?>
+<ds:datastoreItem xmlns:ds="http://schemas.openxmlformats.org/officeDocument/2006/customXml" ds:itemID="{19DAD249-BF80-48EF-9AFB-36A11BCDC2CE}">
+  <ds:schemaRefs>
+    <ds:schemaRef ds:uri="http://schemas.microsoft.com/sharepoint/v3/contenttype/forms"/>
+  </ds:schemaRefs>
+</ds:datastoreItem>
+</file>
+
+<file path=customXml/itemProps2.xml><?xml version="1.0" encoding="utf-8"?>
 <ds:datastoreItem xmlns:ds="http://schemas.openxmlformats.org/officeDocument/2006/customXml" ds:itemID="{6F4F4D41-822D-40F2-A7AC-E4E6CB36CA7A}">
   <ds:schemaRefs>
     <ds:schemaRef ds:uri="http://schemas.microsoft.com/office/2006/metadata/properties"/>
@@ -7412,14 +7430,6 @@
     <ds:schemaRef ds:uri="http://schemas.microsoft.com/sharepoint/v3"/>
     <ds:schemaRef ds:uri="71af3243-3dd4-4a8d-8c0d-dd76da1f02a5"/>
     <ds:schemaRef ds:uri="230e9df3-be65-4c73-a93b-d1236ebd677e"/>
-  </ds:schemaRefs>
-</ds:datastoreItem>
-</file>
-
-<file path=customXml/itemProps2.xml><?xml version="1.0" encoding="utf-8"?>
-<ds:datastoreItem xmlns:ds="http://schemas.openxmlformats.org/officeDocument/2006/customXml" ds:itemID="{19DAD249-BF80-48EF-9AFB-36A11BCDC2CE}">
-  <ds:schemaRefs>
-    <ds:schemaRef ds:uri="http://schemas.microsoft.com/sharepoint/v3/contenttype/forms"/>
   </ds:schemaRefs>
 </ds:datastoreItem>
 </file>

--- a/Credit_Loan_Analysis_PPT.pptx
+++ b/Credit_Loan_Analysis_PPT.pptx
@@ -4,6 +4,9 @@
   <p:sldMasterIdLst>
     <p:sldMasterId id="2147483746" r:id="rId4"/>
   </p:sldMasterIdLst>
+  <p:notesMasterIdLst>
+    <p:notesMasterId r:id="rId20"/>
+  </p:notesMasterIdLst>
   <p:sldIdLst>
     <p:sldId id="257" r:id="rId5"/>
     <p:sldId id="259" r:id="rId6"/>
@@ -126,6 +129,1660 @@
 </p:presentation>
 </file>
 
+<file path=ppt/notesMasters/notesMaster1.xml><?xml version="1.0" encoding="utf-8"?>
+<p:notesMaster xmlns:a="http://schemas.openxmlformats.org/drawingml/2006/main" xmlns:r="http://schemas.openxmlformats.org/officeDocument/2006/relationships" xmlns:p="http://schemas.openxmlformats.org/presentationml/2006/main">
+  <p:cSld>
+    <p:bg>
+      <p:bgRef idx="1001">
+        <a:schemeClr val="bg1"/>
+      </p:bgRef>
+    </p:bg>
+    <p:spTree>
+      <p:nvGrpSpPr>
+        <p:cNvPr id="1" name=""/>
+        <p:cNvGrpSpPr/>
+        <p:nvPr/>
+      </p:nvGrpSpPr>
+      <p:grpSpPr>
+        <a:xfrm>
+          <a:off x="0" y="0"/>
+          <a:ext cx="0" cy="0"/>
+          <a:chOff x="0" y="0"/>
+          <a:chExt cx="0" cy="0"/>
+        </a:xfrm>
+      </p:grpSpPr>
+      <p:sp>
+        <p:nvSpPr>
+          <p:cNvPr id="2" name="Header Placeholder 1"/>
+          <p:cNvSpPr>
+            <a:spLocks noGrp="1"/>
+          </p:cNvSpPr>
+          <p:nvPr>
+            <p:ph type="hdr" sz="quarter"/>
+          </p:nvPr>
+        </p:nvSpPr>
+        <p:spPr>
+          <a:xfrm>
+            <a:off x="0" y="0"/>
+            <a:ext cx="2971800" cy="458788"/>
+          </a:xfrm>
+          <a:prstGeom prst="rect">
+            <a:avLst/>
+          </a:prstGeom>
+        </p:spPr>
+        <p:txBody>
+          <a:bodyPr vert="horz" lIns="91440" tIns="45720" rIns="91440" bIns="45720" rtlCol="0"/>
+          <a:lstStyle>
+            <a:lvl1pPr algn="l">
+              <a:defRPr sz="1200"/>
+            </a:lvl1pPr>
+          </a:lstStyle>
+          <a:p>
+            <a:endParaRPr lang="en-US"/>
+          </a:p>
+        </p:txBody>
+      </p:sp>
+      <p:sp>
+        <p:nvSpPr>
+          <p:cNvPr id="3" name="Date Placeholder 2"/>
+          <p:cNvSpPr>
+            <a:spLocks noGrp="1"/>
+          </p:cNvSpPr>
+          <p:nvPr>
+            <p:ph type="dt" idx="1"/>
+          </p:nvPr>
+        </p:nvSpPr>
+        <p:spPr>
+          <a:xfrm>
+            <a:off x="3884613" y="0"/>
+            <a:ext cx="2971800" cy="458788"/>
+          </a:xfrm>
+          <a:prstGeom prst="rect">
+            <a:avLst/>
+          </a:prstGeom>
+        </p:spPr>
+        <p:txBody>
+          <a:bodyPr vert="horz" lIns="91440" tIns="45720" rIns="91440" bIns="45720" rtlCol="0"/>
+          <a:lstStyle>
+            <a:lvl1pPr algn="r">
+              <a:defRPr sz="1200"/>
+            </a:lvl1pPr>
+          </a:lstStyle>
+          <a:p>
+            <a:fld id="{F8342F5B-F703-48CB-A783-551621E002DF}" type="datetimeFigureOut">
+              <a:rPr lang="en-US" smtClean="0"/>
+              <a:t>6/5/2025</a:t>
+            </a:fld>
+            <a:endParaRPr lang="en-US"/>
+          </a:p>
+        </p:txBody>
+      </p:sp>
+      <p:sp>
+        <p:nvSpPr>
+          <p:cNvPr id="4" name="Slide Image Placeholder 3"/>
+          <p:cNvSpPr>
+            <a:spLocks noGrp="1" noRot="1" noChangeAspect="1"/>
+          </p:cNvSpPr>
+          <p:nvPr>
+            <p:ph type="sldImg" idx="2"/>
+          </p:nvPr>
+        </p:nvSpPr>
+        <p:spPr>
+          <a:xfrm>
+            <a:off x="685800" y="1143000"/>
+            <a:ext cx="5486400" cy="3086100"/>
+          </a:xfrm>
+          <a:prstGeom prst="rect">
+            <a:avLst/>
+          </a:prstGeom>
+          <a:noFill/>
+          <a:ln w="12700">
+            <a:solidFill>
+              <a:prstClr val="black"/>
+            </a:solidFill>
+          </a:ln>
+        </p:spPr>
+        <p:txBody>
+          <a:bodyPr vert="horz" lIns="91440" tIns="45720" rIns="91440" bIns="45720" rtlCol="0" anchor="ctr"/>
+          <a:lstStyle/>
+          <a:p>
+            <a:endParaRPr lang="en-US"/>
+          </a:p>
+        </p:txBody>
+      </p:sp>
+      <p:sp>
+        <p:nvSpPr>
+          <p:cNvPr id="5" name="Notes Placeholder 4"/>
+          <p:cNvSpPr>
+            <a:spLocks noGrp="1"/>
+          </p:cNvSpPr>
+          <p:nvPr>
+            <p:ph type="body" sz="quarter" idx="3"/>
+          </p:nvPr>
+        </p:nvSpPr>
+        <p:spPr>
+          <a:xfrm>
+            <a:off x="685800" y="4400550"/>
+            <a:ext cx="5486400" cy="3600450"/>
+          </a:xfrm>
+          <a:prstGeom prst="rect">
+            <a:avLst/>
+          </a:prstGeom>
+        </p:spPr>
+        <p:txBody>
+          <a:bodyPr vert="horz" lIns="91440" tIns="45720" rIns="91440" bIns="45720" rtlCol="0"/>
+          <a:lstStyle/>
+          <a:p>
+            <a:pPr lvl="0"/>
+            <a:r>
+              <a:rPr lang="en-US"/>
+              <a:t>Click to edit Master text styles</a:t>
+            </a:r>
+          </a:p>
+          <a:p>
+            <a:pPr lvl="1"/>
+            <a:r>
+              <a:rPr lang="en-US"/>
+              <a:t>Second level</a:t>
+            </a:r>
+          </a:p>
+          <a:p>
+            <a:pPr lvl="2"/>
+            <a:r>
+              <a:rPr lang="en-US"/>
+              <a:t>Third level</a:t>
+            </a:r>
+          </a:p>
+          <a:p>
+            <a:pPr lvl="3"/>
+            <a:r>
+              <a:rPr lang="en-US"/>
+              <a:t>Fourth level</a:t>
+            </a:r>
+          </a:p>
+          <a:p>
+            <a:pPr lvl="4"/>
+            <a:r>
+              <a:rPr lang="en-US"/>
+              <a:t>Fifth level</a:t>
+            </a:r>
+          </a:p>
+        </p:txBody>
+      </p:sp>
+      <p:sp>
+        <p:nvSpPr>
+          <p:cNvPr id="6" name="Footer Placeholder 5"/>
+          <p:cNvSpPr>
+            <a:spLocks noGrp="1"/>
+          </p:cNvSpPr>
+          <p:nvPr>
+            <p:ph type="ftr" sz="quarter" idx="4"/>
+          </p:nvPr>
+        </p:nvSpPr>
+        <p:spPr>
+          <a:xfrm>
+            <a:off x="0" y="8685213"/>
+            <a:ext cx="2971800" cy="458787"/>
+          </a:xfrm>
+          <a:prstGeom prst="rect">
+            <a:avLst/>
+          </a:prstGeom>
+        </p:spPr>
+        <p:txBody>
+          <a:bodyPr vert="horz" lIns="91440" tIns="45720" rIns="91440" bIns="45720" rtlCol="0" anchor="b"/>
+          <a:lstStyle>
+            <a:lvl1pPr algn="l">
+              <a:defRPr sz="1200"/>
+            </a:lvl1pPr>
+          </a:lstStyle>
+          <a:p>
+            <a:endParaRPr lang="en-US"/>
+          </a:p>
+        </p:txBody>
+      </p:sp>
+      <p:sp>
+        <p:nvSpPr>
+          <p:cNvPr id="7" name="Slide Number Placeholder 6"/>
+          <p:cNvSpPr>
+            <a:spLocks noGrp="1"/>
+          </p:cNvSpPr>
+          <p:nvPr>
+            <p:ph type="sldNum" sz="quarter" idx="5"/>
+          </p:nvPr>
+        </p:nvSpPr>
+        <p:spPr>
+          <a:xfrm>
+            <a:off x="3884613" y="8685213"/>
+            <a:ext cx="2971800" cy="458787"/>
+          </a:xfrm>
+          <a:prstGeom prst="rect">
+            <a:avLst/>
+          </a:prstGeom>
+        </p:spPr>
+        <p:txBody>
+          <a:bodyPr vert="horz" lIns="91440" tIns="45720" rIns="91440" bIns="45720" rtlCol="0" anchor="b"/>
+          <a:lstStyle>
+            <a:lvl1pPr algn="r">
+              <a:defRPr sz="1200"/>
+            </a:lvl1pPr>
+          </a:lstStyle>
+          <a:p>
+            <a:fld id="{77186031-C433-4816-B91F-0887F3565FDA}" type="slidenum">
+              <a:rPr lang="en-US" smtClean="0"/>
+              <a:t>‹#›</a:t>
+            </a:fld>
+            <a:endParaRPr lang="en-US"/>
+          </a:p>
+        </p:txBody>
+      </p:sp>
+    </p:spTree>
+    <p:extLst>
+      <p:ext uri="{BB962C8B-B14F-4D97-AF65-F5344CB8AC3E}">
+        <p14:creationId xmlns:p14="http://schemas.microsoft.com/office/powerpoint/2010/main" val="2723830425"/>
+      </p:ext>
+    </p:extLst>
+  </p:cSld>
+  <p:clrMap bg1="lt1" tx1="dk1" bg2="lt2" tx2="dk2" accent1="accent1" accent2="accent2" accent3="accent3" accent4="accent4" accent5="accent5" accent6="accent6" hlink="hlink" folHlink="folHlink"/>
+  <p:notesStyle>
+    <a:lvl1pPr marL="0" algn="l" defTabSz="914400" rtl="0" eaLnBrk="1" latinLnBrk="0" hangingPunct="1">
+      <a:defRPr sz="1200" kern="1200">
+        <a:solidFill>
+          <a:schemeClr val="tx1"/>
+        </a:solidFill>
+        <a:latin typeface="+mn-lt"/>
+        <a:ea typeface="+mn-ea"/>
+        <a:cs typeface="+mn-cs"/>
+      </a:defRPr>
+    </a:lvl1pPr>
+    <a:lvl2pPr marL="457200" algn="l" defTabSz="914400" rtl="0" eaLnBrk="1" latinLnBrk="0" hangingPunct="1">
+      <a:defRPr sz="1200" kern="1200">
+        <a:solidFill>
+          <a:schemeClr val="tx1"/>
+        </a:solidFill>
+        <a:latin typeface="+mn-lt"/>
+        <a:ea typeface="+mn-ea"/>
+        <a:cs typeface="+mn-cs"/>
+      </a:defRPr>
+    </a:lvl2pPr>
+    <a:lvl3pPr marL="914400" algn="l" defTabSz="914400" rtl="0" eaLnBrk="1" latinLnBrk="0" hangingPunct="1">
+      <a:defRPr sz="1200" kern="1200">
+        <a:solidFill>
+          <a:schemeClr val="tx1"/>
+        </a:solidFill>
+        <a:latin typeface="+mn-lt"/>
+        <a:ea typeface="+mn-ea"/>
+        <a:cs typeface="+mn-cs"/>
+      </a:defRPr>
+    </a:lvl3pPr>
+    <a:lvl4pPr marL="1371600" algn="l" defTabSz="914400" rtl="0" eaLnBrk="1" latinLnBrk="0" hangingPunct="1">
+      <a:defRPr sz="1200" kern="1200">
+        <a:solidFill>
+          <a:schemeClr val="tx1"/>
+        </a:solidFill>
+        <a:latin typeface="+mn-lt"/>
+        <a:ea typeface="+mn-ea"/>
+        <a:cs typeface="+mn-cs"/>
+      </a:defRPr>
+    </a:lvl4pPr>
+    <a:lvl5pPr marL="1828800" algn="l" defTabSz="914400" rtl="0" eaLnBrk="1" latinLnBrk="0" hangingPunct="1">
+      <a:defRPr sz="1200" kern="1200">
+        <a:solidFill>
+          <a:schemeClr val="tx1"/>
+        </a:solidFill>
+        <a:latin typeface="+mn-lt"/>
+        <a:ea typeface="+mn-ea"/>
+        <a:cs typeface="+mn-cs"/>
+      </a:defRPr>
+    </a:lvl5pPr>
+    <a:lvl6pPr marL="2286000" algn="l" defTabSz="914400" rtl="0" eaLnBrk="1" latinLnBrk="0" hangingPunct="1">
+      <a:defRPr sz="1200" kern="1200">
+        <a:solidFill>
+          <a:schemeClr val="tx1"/>
+        </a:solidFill>
+        <a:latin typeface="+mn-lt"/>
+        <a:ea typeface="+mn-ea"/>
+        <a:cs typeface="+mn-cs"/>
+      </a:defRPr>
+    </a:lvl6pPr>
+    <a:lvl7pPr marL="2743200" algn="l" defTabSz="914400" rtl="0" eaLnBrk="1" latinLnBrk="0" hangingPunct="1">
+      <a:defRPr sz="1200" kern="1200">
+        <a:solidFill>
+          <a:schemeClr val="tx1"/>
+        </a:solidFill>
+        <a:latin typeface="+mn-lt"/>
+        <a:ea typeface="+mn-ea"/>
+        <a:cs typeface="+mn-cs"/>
+      </a:defRPr>
+    </a:lvl7pPr>
+    <a:lvl8pPr marL="3200400" algn="l" defTabSz="914400" rtl="0" eaLnBrk="1" latinLnBrk="0" hangingPunct="1">
+      <a:defRPr sz="1200" kern="1200">
+        <a:solidFill>
+          <a:schemeClr val="tx1"/>
+        </a:solidFill>
+        <a:latin typeface="+mn-lt"/>
+        <a:ea typeface="+mn-ea"/>
+        <a:cs typeface="+mn-cs"/>
+      </a:defRPr>
+    </a:lvl8pPr>
+    <a:lvl9pPr marL="3657600" algn="l" defTabSz="914400" rtl="0" eaLnBrk="1" latinLnBrk="0" hangingPunct="1">
+      <a:defRPr sz="1200" kern="1200">
+        <a:solidFill>
+          <a:schemeClr val="tx1"/>
+        </a:solidFill>
+        <a:latin typeface="+mn-lt"/>
+        <a:ea typeface="+mn-ea"/>
+        <a:cs typeface="+mn-cs"/>
+      </a:defRPr>
+    </a:lvl9pPr>
+  </p:notesStyle>
+</p:notesMaster>
+</file>
+
+<file path=ppt/notesSlides/notesSlide1.xml><?xml version="1.0" encoding="utf-8"?>
+<p:notes xmlns:a="http://schemas.openxmlformats.org/drawingml/2006/main" xmlns:r="http://schemas.openxmlformats.org/officeDocument/2006/relationships" xmlns:p="http://schemas.openxmlformats.org/presentationml/2006/main">
+  <p:cSld>
+    <p:spTree>
+      <p:nvGrpSpPr>
+        <p:cNvPr id="1" name=""/>
+        <p:cNvGrpSpPr/>
+        <p:nvPr/>
+      </p:nvGrpSpPr>
+      <p:grpSpPr>
+        <a:xfrm>
+          <a:off x="0" y="0"/>
+          <a:ext cx="0" cy="0"/>
+          <a:chOff x="0" y="0"/>
+          <a:chExt cx="0" cy="0"/>
+        </a:xfrm>
+      </p:grpSpPr>
+      <p:sp>
+        <p:nvSpPr>
+          <p:cNvPr id="2" name="Slide Image Placeholder 1"/>
+          <p:cNvSpPr>
+            <a:spLocks noGrp="1" noRot="1" noChangeAspect="1"/>
+          </p:cNvSpPr>
+          <p:nvPr>
+            <p:ph type="sldImg"/>
+          </p:nvPr>
+        </p:nvSpPr>
+        <p:spPr/>
+      </p:sp>
+      <p:sp>
+        <p:nvSpPr>
+          <p:cNvPr id="3" name="Notes Placeholder 2"/>
+          <p:cNvSpPr>
+            <a:spLocks noGrp="1"/>
+          </p:cNvSpPr>
+          <p:nvPr>
+            <p:ph type="body" idx="1"/>
+          </p:nvPr>
+        </p:nvSpPr>
+        <p:spPr/>
+        <p:txBody>
+          <a:bodyPr/>
+          <a:lstStyle/>
+          <a:p>
+            <a:r>
+              <a:rPr lang="en-US" dirty="0"/>
+              <a:t>Lance</a:t>
+            </a:r>
+          </a:p>
+        </p:txBody>
+      </p:sp>
+      <p:sp>
+        <p:nvSpPr>
+          <p:cNvPr id="4" name="Slide Number Placeholder 3"/>
+          <p:cNvSpPr>
+            <a:spLocks noGrp="1"/>
+          </p:cNvSpPr>
+          <p:nvPr>
+            <p:ph type="sldNum" sz="quarter" idx="5"/>
+          </p:nvPr>
+        </p:nvSpPr>
+        <p:spPr/>
+        <p:txBody>
+          <a:bodyPr/>
+          <a:lstStyle/>
+          <a:p>
+            <a:fld id="{77186031-C433-4816-B91F-0887F3565FDA}" type="slidenum">
+              <a:rPr lang="en-US" smtClean="0"/>
+              <a:t>1</a:t>
+            </a:fld>
+            <a:endParaRPr lang="en-US"/>
+          </a:p>
+        </p:txBody>
+      </p:sp>
+    </p:spTree>
+    <p:extLst>
+      <p:ext uri="{BB962C8B-B14F-4D97-AF65-F5344CB8AC3E}">
+        <p14:creationId xmlns:p14="http://schemas.microsoft.com/office/powerpoint/2010/main" val="3272465233"/>
+      </p:ext>
+    </p:extLst>
+  </p:cSld>
+  <p:clrMapOvr>
+    <a:masterClrMapping/>
+  </p:clrMapOvr>
+</p:notes>
+</file>
+
+<file path=ppt/notesSlides/notesSlide10.xml><?xml version="1.0" encoding="utf-8"?>
+<p:notes xmlns:a="http://schemas.openxmlformats.org/drawingml/2006/main" xmlns:r="http://schemas.openxmlformats.org/officeDocument/2006/relationships" xmlns:p="http://schemas.openxmlformats.org/presentationml/2006/main">
+  <p:cSld>
+    <p:spTree>
+      <p:nvGrpSpPr>
+        <p:cNvPr id="1" name=""/>
+        <p:cNvGrpSpPr/>
+        <p:nvPr/>
+      </p:nvGrpSpPr>
+      <p:grpSpPr>
+        <a:xfrm>
+          <a:off x="0" y="0"/>
+          <a:ext cx="0" cy="0"/>
+          <a:chOff x="0" y="0"/>
+          <a:chExt cx="0" cy="0"/>
+        </a:xfrm>
+      </p:grpSpPr>
+      <p:sp>
+        <p:nvSpPr>
+          <p:cNvPr id="2" name="Slide Image Placeholder 1"/>
+          <p:cNvSpPr>
+            <a:spLocks noGrp="1" noRot="1" noChangeAspect="1"/>
+          </p:cNvSpPr>
+          <p:nvPr>
+            <p:ph type="sldImg"/>
+          </p:nvPr>
+        </p:nvSpPr>
+        <p:spPr/>
+      </p:sp>
+      <p:sp>
+        <p:nvSpPr>
+          <p:cNvPr id="3" name="Notes Placeholder 2"/>
+          <p:cNvSpPr>
+            <a:spLocks noGrp="1"/>
+          </p:cNvSpPr>
+          <p:nvPr>
+            <p:ph type="body" idx="1"/>
+          </p:nvPr>
+        </p:nvSpPr>
+        <p:spPr/>
+        <p:txBody>
+          <a:bodyPr/>
+          <a:lstStyle/>
+          <a:p>
+            <a:r>
+              <a:rPr lang="en-US" dirty="0"/>
+              <a:t>Max</a:t>
+            </a:r>
+          </a:p>
+        </p:txBody>
+      </p:sp>
+      <p:sp>
+        <p:nvSpPr>
+          <p:cNvPr id="4" name="Slide Number Placeholder 3"/>
+          <p:cNvSpPr>
+            <a:spLocks noGrp="1"/>
+          </p:cNvSpPr>
+          <p:nvPr>
+            <p:ph type="sldNum" sz="quarter" idx="5"/>
+          </p:nvPr>
+        </p:nvSpPr>
+        <p:spPr/>
+        <p:txBody>
+          <a:bodyPr/>
+          <a:lstStyle/>
+          <a:p>
+            <a:fld id="{77186031-C433-4816-B91F-0887F3565FDA}" type="slidenum">
+              <a:rPr lang="en-US" smtClean="0"/>
+              <a:t>10</a:t>
+            </a:fld>
+            <a:endParaRPr lang="en-US"/>
+          </a:p>
+        </p:txBody>
+      </p:sp>
+    </p:spTree>
+    <p:extLst>
+      <p:ext uri="{BB962C8B-B14F-4D97-AF65-F5344CB8AC3E}">
+        <p14:creationId xmlns:p14="http://schemas.microsoft.com/office/powerpoint/2010/main" val="2246615929"/>
+      </p:ext>
+    </p:extLst>
+  </p:cSld>
+  <p:clrMapOvr>
+    <a:masterClrMapping/>
+  </p:clrMapOvr>
+</p:notes>
+</file>
+
+<file path=ppt/notesSlides/notesSlide11.xml><?xml version="1.0" encoding="utf-8"?>
+<p:notes xmlns:a="http://schemas.openxmlformats.org/drawingml/2006/main" xmlns:r="http://schemas.openxmlformats.org/officeDocument/2006/relationships" xmlns:p="http://schemas.openxmlformats.org/presentationml/2006/main">
+  <p:cSld>
+    <p:spTree>
+      <p:nvGrpSpPr>
+        <p:cNvPr id="1" name=""/>
+        <p:cNvGrpSpPr/>
+        <p:nvPr/>
+      </p:nvGrpSpPr>
+      <p:grpSpPr>
+        <a:xfrm>
+          <a:off x="0" y="0"/>
+          <a:ext cx="0" cy="0"/>
+          <a:chOff x="0" y="0"/>
+          <a:chExt cx="0" cy="0"/>
+        </a:xfrm>
+      </p:grpSpPr>
+      <p:sp>
+        <p:nvSpPr>
+          <p:cNvPr id="2" name="Slide Image Placeholder 1"/>
+          <p:cNvSpPr>
+            <a:spLocks noGrp="1" noRot="1" noChangeAspect="1"/>
+          </p:cNvSpPr>
+          <p:nvPr>
+            <p:ph type="sldImg"/>
+          </p:nvPr>
+        </p:nvSpPr>
+        <p:spPr/>
+      </p:sp>
+      <p:sp>
+        <p:nvSpPr>
+          <p:cNvPr id="3" name="Notes Placeholder 2"/>
+          <p:cNvSpPr>
+            <a:spLocks noGrp="1"/>
+          </p:cNvSpPr>
+          <p:nvPr>
+            <p:ph type="body" idx="1"/>
+          </p:nvPr>
+        </p:nvSpPr>
+        <p:spPr/>
+        <p:txBody>
+          <a:bodyPr/>
+          <a:lstStyle/>
+          <a:p>
+            <a:r>
+              <a:rPr lang="en-US" dirty="0"/>
+              <a:t>Max</a:t>
+            </a:r>
+          </a:p>
+        </p:txBody>
+      </p:sp>
+      <p:sp>
+        <p:nvSpPr>
+          <p:cNvPr id="4" name="Slide Number Placeholder 3"/>
+          <p:cNvSpPr>
+            <a:spLocks noGrp="1"/>
+          </p:cNvSpPr>
+          <p:nvPr>
+            <p:ph type="sldNum" sz="quarter" idx="5"/>
+          </p:nvPr>
+        </p:nvSpPr>
+        <p:spPr/>
+        <p:txBody>
+          <a:bodyPr/>
+          <a:lstStyle/>
+          <a:p>
+            <a:fld id="{77186031-C433-4816-B91F-0887F3565FDA}" type="slidenum">
+              <a:rPr lang="en-US" smtClean="0"/>
+              <a:t>11</a:t>
+            </a:fld>
+            <a:endParaRPr lang="en-US"/>
+          </a:p>
+        </p:txBody>
+      </p:sp>
+    </p:spTree>
+    <p:extLst>
+      <p:ext uri="{BB962C8B-B14F-4D97-AF65-F5344CB8AC3E}">
+        <p14:creationId xmlns:p14="http://schemas.microsoft.com/office/powerpoint/2010/main" val="3305308055"/>
+      </p:ext>
+    </p:extLst>
+  </p:cSld>
+  <p:clrMapOvr>
+    <a:masterClrMapping/>
+  </p:clrMapOvr>
+</p:notes>
+</file>
+
+<file path=ppt/notesSlides/notesSlide12.xml><?xml version="1.0" encoding="utf-8"?>
+<p:notes xmlns:a="http://schemas.openxmlformats.org/drawingml/2006/main" xmlns:r="http://schemas.openxmlformats.org/officeDocument/2006/relationships" xmlns:p="http://schemas.openxmlformats.org/presentationml/2006/main">
+  <p:cSld>
+    <p:spTree>
+      <p:nvGrpSpPr>
+        <p:cNvPr id="1" name=""/>
+        <p:cNvGrpSpPr/>
+        <p:nvPr/>
+      </p:nvGrpSpPr>
+      <p:grpSpPr>
+        <a:xfrm>
+          <a:off x="0" y="0"/>
+          <a:ext cx="0" cy="0"/>
+          <a:chOff x="0" y="0"/>
+          <a:chExt cx="0" cy="0"/>
+        </a:xfrm>
+      </p:grpSpPr>
+      <p:sp>
+        <p:nvSpPr>
+          <p:cNvPr id="2" name="Slide Image Placeholder 1"/>
+          <p:cNvSpPr>
+            <a:spLocks noGrp="1" noRot="1" noChangeAspect="1"/>
+          </p:cNvSpPr>
+          <p:nvPr>
+            <p:ph type="sldImg"/>
+          </p:nvPr>
+        </p:nvSpPr>
+        <p:spPr/>
+      </p:sp>
+      <p:sp>
+        <p:nvSpPr>
+          <p:cNvPr id="3" name="Notes Placeholder 2"/>
+          <p:cNvSpPr>
+            <a:spLocks noGrp="1"/>
+          </p:cNvSpPr>
+          <p:nvPr>
+            <p:ph type="body" idx="1"/>
+          </p:nvPr>
+        </p:nvSpPr>
+        <p:spPr/>
+        <p:txBody>
+          <a:bodyPr/>
+          <a:lstStyle/>
+          <a:p>
+            <a:r>
+              <a:rPr lang="en-US" dirty="0"/>
+              <a:t>Max</a:t>
+            </a:r>
+          </a:p>
+        </p:txBody>
+      </p:sp>
+      <p:sp>
+        <p:nvSpPr>
+          <p:cNvPr id="4" name="Slide Number Placeholder 3"/>
+          <p:cNvSpPr>
+            <a:spLocks noGrp="1"/>
+          </p:cNvSpPr>
+          <p:nvPr>
+            <p:ph type="sldNum" sz="quarter" idx="5"/>
+          </p:nvPr>
+        </p:nvSpPr>
+        <p:spPr/>
+        <p:txBody>
+          <a:bodyPr/>
+          <a:lstStyle/>
+          <a:p>
+            <a:fld id="{77186031-C433-4816-B91F-0887F3565FDA}" type="slidenum">
+              <a:rPr lang="en-US" smtClean="0"/>
+              <a:t>12</a:t>
+            </a:fld>
+            <a:endParaRPr lang="en-US"/>
+          </a:p>
+        </p:txBody>
+      </p:sp>
+    </p:spTree>
+    <p:extLst>
+      <p:ext uri="{BB962C8B-B14F-4D97-AF65-F5344CB8AC3E}">
+        <p14:creationId xmlns:p14="http://schemas.microsoft.com/office/powerpoint/2010/main" val="574487132"/>
+      </p:ext>
+    </p:extLst>
+  </p:cSld>
+  <p:clrMapOvr>
+    <a:masterClrMapping/>
+  </p:clrMapOvr>
+</p:notes>
+</file>
+
+<file path=ppt/notesSlides/notesSlide13.xml><?xml version="1.0" encoding="utf-8"?>
+<p:notes xmlns:a="http://schemas.openxmlformats.org/drawingml/2006/main" xmlns:r="http://schemas.openxmlformats.org/officeDocument/2006/relationships" xmlns:p="http://schemas.openxmlformats.org/presentationml/2006/main">
+  <p:cSld>
+    <p:spTree>
+      <p:nvGrpSpPr>
+        <p:cNvPr id="1" name=""/>
+        <p:cNvGrpSpPr/>
+        <p:nvPr/>
+      </p:nvGrpSpPr>
+      <p:grpSpPr>
+        <a:xfrm>
+          <a:off x="0" y="0"/>
+          <a:ext cx="0" cy="0"/>
+          <a:chOff x="0" y="0"/>
+          <a:chExt cx="0" cy="0"/>
+        </a:xfrm>
+      </p:grpSpPr>
+      <p:sp>
+        <p:nvSpPr>
+          <p:cNvPr id="2" name="Slide Image Placeholder 1"/>
+          <p:cNvSpPr>
+            <a:spLocks noGrp="1" noRot="1" noChangeAspect="1"/>
+          </p:cNvSpPr>
+          <p:nvPr>
+            <p:ph type="sldImg"/>
+          </p:nvPr>
+        </p:nvSpPr>
+        <p:spPr/>
+      </p:sp>
+      <p:sp>
+        <p:nvSpPr>
+          <p:cNvPr id="3" name="Notes Placeholder 2"/>
+          <p:cNvSpPr>
+            <a:spLocks noGrp="1"/>
+          </p:cNvSpPr>
+          <p:nvPr>
+            <p:ph type="body" idx="1"/>
+          </p:nvPr>
+        </p:nvSpPr>
+        <p:spPr/>
+        <p:txBody>
+          <a:bodyPr/>
+          <a:lstStyle/>
+          <a:p>
+            <a:r>
+              <a:rPr lang="en-US" dirty="0"/>
+              <a:t>Lance</a:t>
+            </a:r>
+          </a:p>
+        </p:txBody>
+      </p:sp>
+      <p:sp>
+        <p:nvSpPr>
+          <p:cNvPr id="4" name="Slide Number Placeholder 3"/>
+          <p:cNvSpPr>
+            <a:spLocks noGrp="1"/>
+          </p:cNvSpPr>
+          <p:nvPr>
+            <p:ph type="sldNum" sz="quarter" idx="5"/>
+          </p:nvPr>
+        </p:nvSpPr>
+        <p:spPr/>
+        <p:txBody>
+          <a:bodyPr/>
+          <a:lstStyle/>
+          <a:p>
+            <a:fld id="{77186031-C433-4816-B91F-0887F3565FDA}" type="slidenum">
+              <a:rPr lang="en-US" smtClean="0"/>
+              <a:t>13</a:t>
+            </a:fld>
+            <a:endParaRPr lang="en-US"/>
+          </a:p>
+        </p:txBody>
+      </p:sp>
+    </p:spTree>
+    <p:extLst>
+      <p:ext uri="{BB962C8B-B14F-4D97-AF65-F5344CB8AC3E}">
+        <p14:creationId xmlns:p14="http://schemas.microsoft.com/office/powerpoint/2010/main" val="1293572386"/>
+      </p:ext>
+    </p:extLst>
+  </p:cSld>
+  <p:clrMapOvr>
+    <a:masterClrMapping/>
+  </p:clrMapOvr>
+</p:notes>
+</file>
+
+<file path=ppt/notesSlides/notesSlide14.xml><?xml version="1.0" encoding="utf-8"?>
+<p:notes xmlns:a="http://schemas.openxmlformats.org/drawingml/2006/main" xmlns:r="http://schemas.openxmlformats.org/officeDocument/2006/relationships" xmlns:p="http://schemas.openxmlformats.org/presentationml/2006/main">
+  <p:cSld>
+    <p:spTree>
+      <p:nvGrpSpPr>
+        <p:cNvPr id="1" name=""/>
+        <p:cNvGrpSpPr/>
+        <p:nvPr/>
+      </p:nvGrpSpPr>
+      <p:grpSpPr>
+        <a:xfrm>
+          <a:off x="0" y="0"/>
+          <a:ext cx="0" cy="0"/>
+          <a:chOff x="0" y="0"/>
+          <a:chExt cx="0" cy="0"/>
+        </a:xfrm>
+      </p:grpSpPr>
+      <p:sp>
+        <p:nvSpPr>
+          <p:cNvPr id="2" name="Slide Image Placeholder 1"/>
+          <p:cNvSpPr>
+            <a:spLocks noGrp="1" noRot="1" noChangeAspect="1"/>
+          </p:cNvSpPr>
+          <p:nvPr>
+            <p:ph type="sldImg"/>
+          </p:nvPr>
+        </p:nvSpPr>
+        <p:spPr/>
+      </p:sp>
+      <p:sp>
+        <p:nvSpPr>
+          <p:cNvPr id="3" name="Notes Placeholder 2"/>
+          <p:cNvSpPr>
+            <a:spLocks noGrp="1"/>
+          </p:cNvSpPr>
+          <p:nvPr>
+            <p:ph type="body" idx="1"/>
+          </p:nvPr>
+        </p:nvSpPr>
+        <p:spPr/>
+        <p:txBody>
+          <a:bodyPr/>
+          <a:lstStyle/>
+          <a:p>
+            <a:r>
+              <a:rPr lang="en-US" dirty="0"/>
+              <a:t>Adrian / Mike</a:t>
+            </a:r>
+          </a:p>
+        </p:txBody>
+      </p:sp>
+      <p:sp>
+        <p:nvSpPr>
+          <p:cNvPr id="4" name="Slide Number Placeholder 3"/>
+          <p:cNvSpPr>
+            <a:spLocks noGrp="1"/>
+          </p:cNvSpPr>
+          <p:nvPr>
+            <p:ph type="sldNum" sz="quarter" idx="5"/>
+          </p:nvPr>
+        </p:nvSpPr>
+        <p:spPr/>
+        <p:txBody>
+          <a:bodyPr/>
+          <a:lstStyle/>
+          <a:p>
+            <a:fld id="{77186031-C433-4816-B91F-0887F3565FDA}" type="slidenum">
+              <a:rPr lang="en-US" smtClean="0"/>
+              <a:t>14</a:t>
+            </a:fld>
+            <a:endParaRPr lang="en-US"/>
+          </a:p>
+        </p:txBody>
+      </p:sp>
+    </p:spTree>
+    <p:extLst>
+      <p:ext uri="{BB962C8B-B14F-4D97-AF65-F5344CB8AC3E}">
+        <p14:creationId xmlns:p14="http://schemas.microsoft.com/office/powerpoint/2010/main" val="315787165"/>
+      </p:ext>
+    </p:extLst>
+  </p:cSld>
+  <p:clrMapOvr>
+    <a:masterClrMapping/>
+  </p:clrMapOvr>
+</p:notes>
+</file>
+
+<file path=ppt/notesSlides/notesSlide15.xml><?xml version="1.0" encoding="utf-8"?>
+<p:notes xmlns:a="http://schemas.openxmlformats.org/drawingml/2006/main" xmlns:r="http://schemas.openxmlformats.org/officeDocument/2006/relationships" xmlns:p="http://schemas.openxmlformats.org/presentationml/2006/main">
+  <p:cSld>
+    <p:spTree>
+      <p:nvGrpSpPr>
+        <p:cNvPr id="1" name=""/>
+        <p:cNvGrpSpPr/>
+        <p:nvPr/>
+      </p:nvGrpSpPr>
+      <p:grpSpPr>
+        <a:xfrm>
+          <a:off x="0" y="0"/>
+          <a:ext cx="0" cy="0"/>
+          <a:chOff x="0" y="0"/>
+          <a:chExt cx="0" cy="0"/>
+        </a:xfrm>
+      </p:grpSpPr>
+      <p:sp>
+        <p:nvSpPr>
+          <p:cNvPr id="2" name="Slide Image Placeholder 1"/>
+          <p:cNvSpPr>
+            <a:spLocks noGrp="1" noRot="1" noChangeAspect="1"/>
+          </p:cNvSpPr>
+          <p:nvPr>
+            <p:ph type="sldImg"/>
+          </p:nvPr>
+        </p:nvSpPr>
+        <p:spPr/>
+      </p:sp>
+      <p:sp>
+        <p:nvSpPr>
+          <p:cNvPr id="3" name="Notes Placeholder 2"/>
+          <p:cNvSpPr>
+            <a:spLocks noGrp="1"/>
+          </p:cNvSpPr>
+          <p:nvPr>
+            <p:ph type="body" idx="1"/>
+          </p:nvPr>
+        </p:nvSpPr>
+        <p:spPr/>
+        <p:txBody>
+          <a:bodyPr/>
+          <a:lstStyle/>
+          <a:p>
+            <a:r>
+              <a:rPr lang="en-US" dirty="0"/>
+              <a:t>Mike</a:t>
+            </a:r>
+          </a:p>
+        </p:txBody>
+      </p:sp>
+      <p:sp>
+        <p:nvSpPr>
+          <p:cNvPr id="4" name="Slide Number Placeholder 3"/>
+          <p:cNvSpPr>
+            <a:spLocks noGrp="1"/>
+          </p:cNvSpPr>
+          <p:nvPr>
+            <p:ph type="sldNum" sz="quarter" idx="5"/>
+          </p:nvPr>
+        </p:nvSpPr>
+        <p:spPr/>
+        <p:txBody>
+          <a:bodyPr/>
+          <a:lstStyle/>
+          <a:p>
+            <a:fld id="{77186031-C433-4816-B91F-0887F3565FDA}" type="slidenum">
+              <a:rPr lang="en-US" smtClean="0"/>
+              <a:t>15</a:t>
+            </a:fld>
+            <a:endParaRPr lang="en-US"/>
+          </a:p>
+        </p:txBody>
+      </p:sp>
+    </p:spTree>
+    <p:extLst>
+      <p:ext uri="{BB962C8B-B14F-4D97-AF65-F5344CB8AC3E}">
+        <p14:creationId xmlns:p14="http://schemas.microsoft.com/office/powerpoint/2010/main" val="1900864041"/>
+      </p:ext>
+    </p:extLst>
+  </p:cSld>
+  <p:clrMapOvr>
+    <a:masterClrMapping/>
+  </p:clrMapOvr>
+</p:notes>
+</file>
+
+<file path=ppt/notesSlides/notesSlide2.xml><?xml version="1.0" encoding="utf-8"?>
+<p:notes xmlns:a="http://schemas.openxmlformats.org/drawingml/2006/main" xmlns:r="http://schemas.openxmlformats.org/officeDocument/2006/relationships" xmlns:p="http://schemas.openxmlformats.org/presentationml/2006/main">
+  <p:cSld>
+    <p:spTree>
+      <p:nvGrpSpPr>
+        <p:cNvPr id="1" name=""/>
+        <p:cNvGrpSpPr/>
+        <p:nvPr/>
+      </p:nvGrpSpPr>
+      <p:grpSpPr>
+        <a:xfrm>
+          <a:off x="0" y="0"/>
+          <a:ext cx="0" cy="0"/>
+          <a:chOff x="0" y="0"/>
+          <a:chExt cx="0" cy="0"/>
+        </a:xfrm>
+      </p:grpSpPr>
+      <p:sp>
+        <p:nvSpPr>
+          <p:cNvPr id="2" name="Slide Image Placeholder 1"/>
+          <p:cNvSpPr>
+            <a:spLocks noGrp="1" noRot="1" noChangeAspect="1"/>
+          </p:cNvSpPr>
+          <p:nvPr>
+            <p:ph type="sldImg"/>
+          </p:nvPr>
+        </p:nvSpPr>
+        <p:spPr/>
+      </p:sp>
+      <p:sp>
+        <p:nvSpPr>
+          <p:cNvPr id="3" name="Notes Placeholder 2"/>
+          <p:cNvSpPr>
+            <a:spLocks noGrp="1"/>
+          </p:cNvSpPr>
+          <p:nvPr>
+            <p:ph type="body" idx="1"/>
+          </p:nvPr>
+        </p:nvSpPr>
+        <p:spPr/>
+        <p:txBody>
+          <a:bodyPr/>
+          <a:lstStyle/>
+          <a:p>
+            <a:r>
+              <a:rPr lang="en-US" dirty="0"/>
+              <a:t>Lance</a:t>
+            </a:r>
+          </a:p>
+        </p:txBody>
+      </p:sp>
+      <p:sp>
+        <p:nvSpPr>
+          <p:cNvPr id="4" name="Slide Number Placeholder 3"/>
+          <p:cNvSpPr>
+            <a:spLocks noGrp="1"/>
+          </p:cNvSpPr>
+          <p:nvPr>
+            <p:ph type="sldNum" sz="quarter" idx="5"/>
+          </p:nvPr>
+        </p:nvSpPr>
+        <p:spPr/>
+        <p:txBody>
+          <a:bodyPr/>
+          <a:lstStyle/>
+          <a:p>
+            <a:fld id="{77186031-C433-4816-B91F-0887F3565FDA}" type="slidenum">
+              <a:rPr lang="en-US" smtClean="0"/>
+              <a:t>2</a:t>
+            </a:fld>
+            <a:endParaRPr lang="en-US"/>
+          </a:p>
+        </p:txBody>
+      </p:sp>
+    </p:spTree>
+    <p:extLst>
+      <p:ext uri="{BB962C8B-B14F-4D97-AF65-F5344CB8AC3E}">
+        <p14:creationId xmlns:p14="http://schemas.microsoft.com/office/powerpoint/2010/main" val="1117781903"/>
+      </p:ext>
+    </p:extLst>
+  </p:cSld>
+  <p:clrMapOvr>
+    <a:masterClrMapping/>
+  </p:clrMapOvr>
+</p:notes>
+</file>
+
+<file path=ppt/notesSlides/notesSlide3.xml><?xml version="1.0" encoding="utf-8"?>
+<p:notes xmlns:a="http://schemas.openxmlformats.org/drawingml/2006/main" xmlns:r="http://schemas.openxmlformats.org/officeDocument/2006/relationships" xmlns:p="http://schemas.openxmlformats.org/presentationml/2006/main">
+  <p:cSld>
+    <p:spTree>
+      <p:nvGrpSpPr>
+        <p:cNvPr id="1" name=""/>
+        <p:cNvGrpSpPr/>
+        <p:nvPr/>
+      </p:nvGrpSpPr>
+      <p:grpSpPr>
+        <a:xfrm>
+          <a:off x="0" y="0"/>
+          <a:ext cx="0" cy="0"/>
+          <a:chOff x="0" y="0"/>
+          <a:chExt cx="0" cy="0"/>
+        </a:xfrm>
+      </p:grpSpPr>
+      <p:sp>
+        <p:nvSpPr>
+          <p:cNvPr id="2" name="Slide Image Placeholder 1"/>
+          <p:cNvSpPr>
+            <a:spLocks noGrp="1" noRot="1" noChangeAspect="1"/>
+          </p:cNvSpPr>
+          <p:nvPr>
+            <p:ph type="sldImg"/>
+          </p:nvPr>
+        </p:nvSpPr>
+        <p:spPr/>
+      </p:sp>
+      <p:sp>
+        <p:nvSpPr>
+          <p:cNvPr id="3" name="Notes Placeholder 2"/>
+          <p:cNvSpPr>
+            <a:spLocks noGrp="1"/>
+          </p:cNvSpPr>
+          <p:nvPr>
+            <p:ph type="body" idx="1"/>
+          </p:nvPr>
+        </p:nvSpPr>
+        <p:spPr/>
+        <p:txBody>
+          <a:bodyPr/>
+          <a:lstStyle/>
+          <a:p>
+            <a:r>
+              <a:rPr lang="en-US" dirty="0"/>
+              <a:t>Adrian</a:t>
+            </a:r>
+          </a:p>
+        </p:txBody>
+      </p:sp>
+      <p:sp>
+        <p:nvSpPr>
+          <p:cNvPr id="4" name="Slide Number Placeholder 3"/>
+          <p:cNvSpPr>
+            <a:spLocks noGrp="1"/>
+          </p:cNvSpPr>
+          <p:nvPr>
+            <p:ph type="sldNum" sz="quarter" idx="5"/>
+          </p:nvPr>
+        </p:nvSpPr>
+        <p:spPr/>
+        <p:txBody>
+          <a:bodyPr/>
+          <a:lstStyle/>
+          <a:p>
+            <a:fld id="{77186031-C433-4816-B91F-0887F3565FDA}" type="slidenum">
+              <a:rPr lang="en-US" smtClean="0"/>
+              <a:t>3</a:t>
+            </a:fld>
+            <a:endParaRPr lang="en-US"/>
+          </a:p>
+        </p:txBody>
+      </p:sp>
+    </p:spTree>
+    <p:extLst>
+      <p:ext uri="{BB962C8B-B14F-4D97-AF65-F5344CB8AC3E}">
+        <p14:creationId xmlns:p14="http://schemas.microsoft.com/office/powerpoint/2010/main" val="1731434045"/>
+      </p:ext>
+    </p:extLst>
+  </p:cSld>
+  <p:clrMapOvr>
+    <a:masterClrMapping/>
+  </p:clrMapOvr>
+</p:notes>
+</file>
+
+<file path=ppt/notesSlides/notesSlide4.xml><?xml version="1.0" encoding="utf-8"?>
+<p:notes xmlns:a="http://schemas.openxmlformats.org/drawingml/2006/main" xmlns:r="http://schemas.openxmlformats.org/officeDocument/2006/relationships" xmlns:p="http://schemas.openxmlformats.org/presentationml/2006/main">
+  <p:cSld>
+    <p:spTree>
+      <p:nvGrpSpPr>
+        <p:cNvPr id="1" name=""/>
+        <p:cNvGrpSpPr/>
+        <p:nvPr/>
+      </p:nvGrpSpPr>
+      <p:grpSpPr>
+        <a:xfrm>
+          <a:off x="0" y="0"/>
+          <a:ext cx="0" cy="0"/>
+          <a:chOff x="0" y="0"/>
+          <a:chExt cx="0" cy="0"/>
+        </a:xfrm>
+      </p:grpSpPr>
+      <p:sp>
+        <p:nvSpPr>
+          <p:cNvPr id="2" name="Slide Image Placeholder 1"/>
+          <p:cNvSpPr>
+            <a:spLocks noGrp="1" noRot="1" noChangeAspect="1"/>
+          </p:cNvSpPr>
+          <p:nvPr>
+            <p:ph type="sldImg"/>
+          </p:nvPr>
+        </p:nvSpPr>
+        <p:spPr/>
+      </p:sp>
+      <p:sp>
+        <p:nvSpPr>
+          <p:cNvPr id="3" name="Notes Placeholder 2"/>
+          <p:cNvSpPr>
+            <a:spLocks noGrp="1"/>
+          </p:cNvSpPr>
+          <p:nvPr>
+            <p:ph type="body" idx="1"/>
+          </p:nvPr>
+        </p:nvSpPr>
+        <p:spPr/>
+        <p:txBody>
+          <a:bodyPr/>
+          <a:lstStyle/>
+          <a:p>
+            <a:r>
+              <a:rPr lang="en-US" dirty="0"/>
+              <a:t>Adrian</a:t>
+            </a:r>
+          </a:p>
+        </p:txBody>
+      </p:sp>
+      <p:sp>
+        <p:nvSpPr>
+          <p:cNvPr id="4" name="Slide Number Placeholder 3"/>
+          <p:cNvSpPr>
+            <a:spLocks noGrp="1"/>
+          </p:cNvSpPr>
+          <p:nvPr>
+            <p:ph type="sldNum" sz="quarter" idx="5"/>
+          </p:nvPr>
+        </p:nvSpPr>
+        <p:spPr/>
+        <p:txBody>
+          <a:bodyPr/>
+          <a:lstStyle/>
+          <a:p>
+            <a:fld id="{77186031-C433-4816-B91F-0887F3565FDA}" type="slidenum">
+              <a:rPr lang="en-US" smtClean="0"/>
+              <a:t>4</a:t>
+            </a:fld>
+            <a:endParaRPr lang="en-US"/>
+          </a:p>
+        </p:txBody>
+      </p:sp>
+    </p:spTree>
+    <p:extLst>
+      <p:ext uri="{BB962C8B-B14F-4D97-AF65-F5344CB8AC3E}">
+        <p14:creationId xmlns:p14="http://schemas.microsoft.com/office/powerpoint/2010/main" val="3531922846"/>
+      </p:ext>
+    </p:extLst>
+  </p:cSld>
+  <p:clrMapOvr>
+    <a:masterClrMapping/>
+  </p:clrMapOvr>
+</p:notes>
+</file>
+
+<file path=ppt/notesSlides/notesSlide5.xml><?xml version="1.0" encoding="utf-8"?>
+<p:notes xmlns:a="http://schemas.openxmlformats.org/drawingml/2006/main" xmlns:r="http://schemas.openxmlformats.org/officeDocument/2006/relationships" xmlns:p="http://schemas.openxmlformats.org/presentationml/2006/main">
+  <p:cSld>
+    <p:spTree>
+      <p:nvGrpSpPr>
+        <p:cNvPr id="1" name=""/>
+        <p:cNvGrpSpPr/>
+        <p:nvPr/>
+      </p:nvGrpSpPr>
+      <p:grpSpPr>
+        <a:xfrm>
+          <a:off x="0" y="0"/>
+          <a:ext cx="0" cy="0"/>
+          <a:chOff x="0" y="0"/>
+          <a:chExt cx="0" cy="0"/>
+        </a:xfrm>
+      </p:grpSpPr>
+      <p:sp>
+        <p:nvSpPr>
+          <p:cNvPr id="2" name="Slide Image Placeholder 1"/>
+          <p:cNvSpPr>
+            <a:spLocks noGrp="1" noRot="1" noChangeAspect="1"/>
+          </p:cNvSpPr>
+          <p:nvPr>
+            <p:ph type="sldImg"/>
+          </p:nvPr>
+        </p:nvSpPr>
+        <p:spPr/>
+      </p:sp>
+      <p:sp>
+        <p:nvSpPr>
+          <p:cNvPr id="3" name="Notes Placeholder 2"/>
+          <p:cNvSpPr>
+            <a:spLocks noGrp="1"/>
+          </p:cNvSpPr>
+          <p:nvPr>
+            <p:ph type="body" idx="1"/>
+          </p:nvPr>
+        </p:nvSpPr>
+        <p:spPr/>
+        <p:txBody>
+          <a:bodyPr/>
+          <a:lstStyle/>
+          <a:p>
+            <a:r>
+              <a:rPr lang="en-US" dirty="0"/>
+              <a:t>Adrian</a:t>
+            </a:r>
+          </a:p>
+        </p:txBody>
+      </p:sp>
+      <p:sp>
+        <p:nvSpPr>
+          <p:cNvPr id="4" name="Slide Number Placeholder 3"/>
+          <p:cNvSpPr>
+            <a:spLocks noGrp="1"/>
+          </p:cNvSpPr>
+          <p:nvPr>
+            <p:ph type="sldNum" sz="quarter" idx="5"/>
+          </p:nvPr>
+        </p:nvSpPr>
+        <p:spPr/>
+        <p:txBody>
+          <a:bodyPr/>
+          <a:lstStyle/>
+          <a:p>
+            <a:fld id="{77186031-C433-4816-B91F-0887F3565FDA}" type="slidenum">
+              <a:rPr lang="en-US" smtClean="0"/>
+              <a:t>5</a:t>
+            </a:fld>
+            <a:endParaRPr lang="en-US"/>
+          </a:p>
+        </p:txBody>
+      </p:sp>
+    </p:spTree>
+    <p:extLst>
+      <p:ext uri="{BB962C8B-B14F-4D97-AF65-F5344CB8AC3E}">
+        <p14:creationId xmlns:p14="http://schemas.microsoft.com/office/powerpoint/2010/main" val="3924206987"/>
+      </p:ext>
+    </p:extLst>
+  </p:cSld>
+  <p:clrMapOvr>
+    <a:masterClrMapping/>
+  </p:clrMapOvr>
+</p:notes>
+</file>
+
+<file path=ppt/notesSlides/notesSlide6.xml><?xml version="1.0" encoding="utf-8"?>
+<p:notes xmlns:a="http://schemas.openxmlformats.org/drawingml/2006/main" xmlns:r="http://schemas.openxmlformats.org/officeDocument/2006/relationships" xmlns:p="http://schemas.openxmlformats.org/presentationml/2006/main">
+  <p:cSld>
+    <p:spTree>
+      <p:nvGrpSpPr>
+        <p:cNvPr id="1" name=""/>
+        <p:cNvGrpSpPr/>
+        <p:nvPr/>
+      </p:nvGrpSpPr>
+      <p:grpSpPr>
+        <a:xfrm>
+          <a:off x="0" y="0"/>
+          <a:ext cx="0" cy="0"/>
+          <a:chOff x="0" y="0"/>
+          <a:chExt cx="0" cy="0"/>
+        </a:xfrm>
+      </p:grpSpPr>
+      <p:sp>
+        <p:nvSpPr>
+          <p:cNvPr id="2" name="Slide Image Placeholder 1"/>
+          <p:cNvSpPr>
+            <a:spLocks noGrp="1" noRot="1" noChangeAspect="1"/>
+          </p:cNvSpPr>
+          <p:nvPr>
+            <p:ph type="sldImg"/>
+          </p:nvPr>
+        </p:nvSpPr>
+        <p:spPr/>
+      </p:sp>
+      <p:sp>
+        <p:nvSpPr>
+          <p:cNvPr id="3" name="Notes Placeholder 2"/>
+          <p:cNvSpPr>
+            <a:spLocks noGrp="1"/>
+          </p:cNvSpPr>
+          <p:nvPr>
+            <p:ph type="body" idx="1"/>
+          </p:nvPr>
+        </p:nvSpPr>
+        <p:spPr/>
+        <p:txBody>
+          <a:bodyPr/>
+          <a:lstStyle/>
+          <a:p>
+            <a:r>
+              <a:rPr lang="en-US" dirty="0"/>
+              <a:t>Mike</a:t>
+            </a:r>
+          </a:p>
+        </p:txBody>
+      </p:sp>
+      <p:sp>
+        <p:nvSpPr>
+          <p:cNvPr id="4" name="Slide Number Placeholder 3"/>
+          <p:cNvSpPr>
+            <a:spLocks noGrp="1"/>
+          </p:cNvSpPr>
+          <p:nvPr>
+            <p:ph type="sldNum" sz="quarter" idx="5"/>
+          </p:nvPr>
+        </p:nvSpPr>
+        <p:spPr/>
+        <p:txBody>
+          <a:bodyPr/>
+          <a:lstStyle/>
+          <a:p>
+            <a:fld id="{77186031-C433-4816-B91F-0887F3565FDA}" type="slidenum">
+              <a:rPr lang="en-US" smtClean="0"/>
+              <a:t>6</a:t>
+            </a:fld>
+            <a:endParaRPr lang="en-US"/>
+          </a:p>
+        </p:txBody>
+      </p:sp>
+    </p:spTree>
+    <p:extLst>
+      <p:ext uri="{BB962C8B-B14F-4D97-AF65-F5344CB8AC3E}">
+        <p14:creationId xmlns:p14="http://schemas.microsoft.com/office/powerpoint/2010/main" val="2716902374"/>
+      </p:ext>
+    </p:extLst>
+  </p:cSld>
+  <p:clrMapOvr>
+    <a:masterClrMapping/>
+  </p:clrMapOvr>
+</p:notes>
+</file>
+
+<file path=ppt/notesSlides/notesSlide7.xml><?xml version="1.0" encoding="utf-8"?>
+<p:notes xmlns:a="http://schemas.openxmlformats.org/drawingml/2006/main" xmlns:r="http://schemas.openxmlformats.org/officeDocument/2006/relationships" xmlns:p="http://schemas.openxmlformats.org/presentationml/2006/main">
+  <p:cSld>
+    <p:spTree>
+      <p:nvGrpSpPr>
+        <p:cNvPr id="1" name=""/>
+        <p:cNvGrpSpPr/>
+        <p:nvPr/>
+      </p:nvGrpSpPr>
+      <p:grpSpPr>
+        <a:xfrm>
+          <a:off x="0" y="0"/>
+          <a:ext cx="0" cy="0"/>
+          <a:chOff x="0" y="0"/>
+          <a:chExt cx="0" cy="0"/>
+        </a:xfrm>
+      </p:grpSpPr>
+      <p:sp>
+        <p:nvSpPr>
+          <p:cNvPr id="2" name="Slide Image Placeholder 1"/>
+          <p:cNvSpPr>
+            <a:spLocks noGrp="1" noRot="1" noChangeAspect="1"/>
+          </p:cNvSpPr>
+          <p:nvPr>
+            <p:ph type="sldImg"/>
+          </p:nvPr>
+        </p:nvSpPr>
+        <p:spPr/>
+      </p:sp>
+      <p:sp>
+        <p:nvSpPr>
+          <p:cNvPr id="3" name="Notes Placeholder 2"/>
+          <p:cNvSpPr>
+            <a:spLocks noGrp="1"/>
+          </p:cNvSpPr>
+          <p:nvPr>
+            <p:ph type="body" idx="1"/>
+          </p:nvPr>
+        </p:nvSpPr>
+        <p:spPr/>
+        <p:txBody>
+          <a:bodyPr/>
+          <a:lstStyle/>
+          <a:p>
+            <a:r>
+              <a:rPr lang="en-US" dirty="0"/>
+              <a:t>Mike</a:t>
+            </a:r>
+          </a:p>
+        </p:txBody>
+      </p:sp>
+      <p:sp>
+        <p:nvSpPr>
+          <p:cNvPr id="4" name="Slide Number Placeholder 3"/>
+          <p:cNvSpPr>
+            <a:spLocks noGrp="1"/>
+          </p:cNvSpPr>
+          <p:nvPr>
+            <p:ph type="sldNum" sz="quarter" idx="5"/>
+          </p:nvPr>
+        </p:nvSpPr>
+        <p:spPr/>
+        <p:txBody>
+          <a:bodyPr/>
+          <a:lstStyle/>
+          <a:p>
+            <a:fld id="{77186031-C433-4816-B91F-0887F3565FDA}" type="slidenum">
+              <a:rPr lang="en-US" smtClean="0"/>
+              <a:t>7</a:t>
+            </a:fld>
+            <a:endParaRPr lang="en-US"/>
+          </a:p>
+        </p:txBody>
+      </p:sp>
+    </p:spTree>
+    <p:extLst>
+      <p:ext uri="{BB962C8B-B14F-4D97-AF65-F5344CB8AC3E}">
+        <p14:creationId xmlns:p14="http://schemas.microsoft.com/office/powerpoint/2010/main" val="861293712"/>
+      </p:ext>
+    </p:extLst>
+  </p:cSld>
+  <p:clrMapOvr>
+    <a:masterClrMapping/>
+  </p:clrMapOvr>
+</p:notes>
+</file>
+
+<file path=ppt/notesSlides/notesSlide8.xml><?xml version="1.0" encoding="utf-8"?>
+<p:notes xmlns:a="http://schemas.openxmlformats.org/drawingml/2006/main" xmlns:r="http://schemas.openxmlformats.org/officeDocument/2006/relationships" xmlns:p="http://schemas.openxmlformats.org/presentationml/2006/main">
+  <p:cSld>
+    <p:spTree>
+      <p:nvGrpSpPr>
+        <p:cNvPr id="1" name=""/>
+        <p:cNvGrpSpPr/>
+        <p:nvPr/>
+      </p:nvGrpSpPr>
+      <p:grpSpPr>
+        <a:xfrm>
+          <a:off x="0" y="0"/>
+          <a:ext cx="0" cy="0"/>
+          <a:chOff x="0" y="0"/>
+          <a:chExt cx="0" cy="0"/>
+        </a:xfrm>
+      </p:grpSpPr>
+      <p:sp>
+        <p:nvSpPr>
+          <p:cNvPr id="2" name="Slide Image Placeholder 1"/>
+          <p:cNvSpPr>
+            <a:spLocks noGrp="1" noRot="1" noChangeAspect="1"/>
+          </p:cNvSpPr>
+          <p:nvPr>
+            <p:ph type="sldImg"/>
+          </p:nvPr>
+        </p:nvSpPr>
+        <p:spPr/>
+      </p:sp>
+      <p:sp>
+        <p:nvSpPr>
+          <p:cNvPr id="3" name="Notes Placeholder 2"/>
+          <p:cNvSpPr>
+            <a:spLocks noGrp="1"/>
+          </p:cNvSpPr>
+          <p:nvPr>
+            <p:ph type="body" idx="1"/>
+          </p:nvPr>
+        </p:nvSpPr>
+        <p:spPr/>
+        <p:txBody>
+          <a:bodyPr/>
+          <a:lstStyle/>
+          <a:p>
+            <a:r>
+              <a:rPr lang="en-US" dirty="0"/>
+              <a:t>Mike</a:t>
+            </a:r>
+          </a:p>
+        </p:txBody>
+      </p:sp>
+      <p:sp>
+        <p:nvSpPr>
+          <p:cNvPr id="4" name="Slide Number Placeholder 3"/>
+          <p:cNvSpPr>
+            <a:spLocks noGrp="1"/>
+          </p:cNvSpPr>
+          <p:nvPr>
+            <p:ph type="sldNum" sz="quarter" idx="5"/>
+          </p:nvPr>
+        </p:nvSpPr>
+        <p:spPr/>
+        <p:txBody>
+          <a:bodyPr/>
+          <a:lstStyle/>
+          <a:p>
+            <a:fld id="{77186031-C433-4816-B91F-0887F3565FDA}" type="slidenum">
+              <a:rPr lang="en-US" smtClean="0"/>
+              <a:t>8</a:t>
+            </a:fld>
+            <a:endParaRPr lang="en-US"/>
+          </a:p>
+        </p:txBody>
+      </p:sp>
+    </p:spTree>
+    <p:extLst>
+      <p:ext uri="{BB962C8B-B14F-4D97-AF65-F5344CB8AC3E}">
+        <p14:creationId xmlns:p14="http://schemas.microsoft.com/office/powerpoint/2010/main" val="2895492958"/>
+      </p:ext>
+    </p:extLst>
+  </p:cSld>
+  <p:clrMapOvr>
+    <a:masterClrMapping/>
+  </p:clrMapOvr>
+</p:notes>
+</file>
+
+<file path=ppt/notesSlides/notesSlide9.xml><?xml version="1.0" encoding="utf-8"?>
+<p:notes xmlns:a="http://schemas.openxmlformats.org/drawingml/2006/main" xmlns:r="http://schemas.openxmlformats.org/officeDocument/2006/relationships" xmlns:p="http://schemas.openxmlformats.org/presentationml/2006/main">
+  <p:cSld>
+    <p:spTree>
+      <p:nvGrpSpPr>
+        <p:cNvPr id="1" name=""/>
+        <p:cNvGrpSpPr/>
+        <p:nvPr/>
+      </p:nvGrpSpPr>
+      <p:grpSpPr>
+        <a:xfrm>
+          <a:off x="0" y="0"/>
+          <a:ext cx="0" cy="0"/>
+          <a:chOff x="0" y="0"/>
+          <a:chExt cx="0" cy="0"/>
+        </a:xfrm>
+      </p:grpSpPr>
+      <p:sp>
+        <p:nvSpPr>
+          <p:cNvPr id="2" name="Slide Image Placeholder 1"/>
+          <p:cNvSpPr>
+            <a:spLocks noGrp="1" noRot="1" noChangeAspect="1"/>
+          </p:cNvSpPr>
+          <p:nvPr>
+            <p:ph type="sldImg"/>
+          </p:nvPr>
+        </p:nvSpPr>
+        <p:spPr/>
+      </p:sp>
+      <p:sp>
+        <p:nvSpPr>
+          <p:cNvPr id="3" name="Notes Placeholder 2"/>
+          <p:cNvSpPr>
+            <a:spLocks noGrp="1"/>
+          </p:cNvSpPr>
+          <p:nvPr>
+            <p:ph type="body" idx="1"/>
+          </p:nvPr>
+        </p:nvSpPr>
+        <p:spPr/>
+        <p:txBody>
+          <a:bodyPr/>
+          <a:lstStyle/>
+          <a:p>
+            <a:r>
+              <a:rPr lang="en-US" dirty="0"/>
+              <a:t>Max</a:t>
+            </a:r>
+          </a:p>
+        </p:txBody>
+      </p:sp>
+      <p:sp>
+        <p:nvSpPr>
+          <p:cNvPr id="4" name="Slide Number Placeholder 3"/>
+          <p:cNvSpPr>
+            <a:spLocks noGrp="1"/>
+          </p:cNvSpPr>
+          <p:nvPr>
+            <p:ph type="sldNum" sz="quarter" idx="5"/>
+          </p:nvPr>
+        </p:nvSpPr>
+        <p:spPr/>
+        <p:txBody>
+          <a:bodyPr/>
+          <a:lstStyle/>
+          <a:p>
+            <a:fld id="{77186031-C433-4816-B91F-0887F3565FDA}" type="slidenum">
+              <a:rPr lang="en-US" smtClean="0"/>
+              <a:t>9</a:t>
+            </a:fld>
+            <a:endParaRPr lang="en-US"/>
+          </a:p>
+        </p:txBody>
+      </p:sp>
+    </p:spTree>
+    <p:extLst>
+      <p:ext uri="{BB962C8B-B14F-4D97-AF65-F5344CB8AC3E}">
+        <p14:creationId xmlns:p14="http://schemas.microsoft.com/office/powerpoint/2010/main" val="2639648629"/>
+      </p:ext>
+    </p:extLst>
+  </p:cSld>
+  <p:clrMapOvr>
+    <a:masterClrMapping/>
+  </p:clrMapOvr>
+</p:notes>
+</file>
+
 <file path=ppt/slideLayouts/slideLayout1.xml><?xml version="1.0" encoding="utf-8"?>
 <p:sldLayout xmlns:a="http://schemas.openxmlformats.org/drawingml/2006/main" xmlns:r="http://schemas.openxmlformats.org/officeDocument/2006/relationships" xmlns:p="http://schemas.openxmlformats.org/presentationml/2006/main" showMasterSp="0" type="title" preserve="1">
   <p:cSld name="Title Slide">
@@ -370,7 +2027,7 @@
           <a:p>
             <a:fld id="{9184DA70-C731-4C70-880D-CCD4705E623C}" type="datetime1">
               <a:rPr lang="en-US" smtClean="0"/>
-              <a:t>6/3/2025</a:t>
+              <a:t>6/5/2025</a:t>
             </a:fld>
             <a:endParaRPr lang="en-US" dirty="0"/>
           </a:p>
@@ -570,7 +2227,7 @@
           <a:p>
             <a:fld id="{B612A279-0833-481D-8C56-F67FD0AC6C50}" type="datetime1">
               <a:rPr lang="en-US" smtClean="0"/>
-              <a:t>6/3/2025</a:t>
+              <a:t>6/5/2025</a:t>
             </a:fld>
             <a:endParaRPr lang="en-US" dirty="0"/>
           </a:p>
@@ -824,7 +2481,7 @@
           <a:p>
             <a:fld id="{6587DA83-5663-4C9C-B9AA-0B40A3DAFF81}" type="datetime1">
               <a:rPr lang="en-US" smtClean="0"/>
-              <a:t>6/3/2025</a:t>
+              <a:t>6/5/2025</a:t>
             </a:fld>
             <a:endParaRPr lang="en-US" dirty="0"/>
           </a:p>
@@ -1024,7 +2681,7 @@
           <a:p>
             <a:fld id="{4BE1D723-8F53-4F53-90B0-1982A396982E}" type="datetime1">
               <a:rPr lang="en-US" smtClean="0"/>
-              <a:t>6/3/2025</a:t>
+              <a:t>6/5/2025</a:t>
             </a:fld>
             <a:endParaRPr lang="en-US" dirty="0"/>
           </a:p>
@@ -1409,7 +3066,7 @@
           <a:p>
             <a:fld id="{97669AF7-7BEB-44E4-9852-375E34362B5B}" type="datetime1">
               <a:rPr lang="en-US" smtClean="0"/>
-              <a:t>6/3/2025</a:t>
+              <a:t>6/5/2025</a:t>
             </a:fld>
             <a:endParaRPr lang="en-US" dirty="0"/>
           </a:p>
@@ -1676,7 +3333,7 @@
           <a:p>
             <a:fld id="{BAAAC38D-0552-4C82-B593-E6124DFADBE2}" type="datetime1">
               <a:rPr lang="en-US" smtClean="0"/>
-              <a:t>6/3/2025</a:t>
+              <a:t>6/5/2025</a:t>
             </a:fld>
             <a:endParaRPr lang="en-US" dirty="0"/>
           </a:p>
@@ -2085,7 +3742,7 @@
           <a:p>
             <a:fld id="{D9DF0F1C-5577-4ACB-BB62-DF8F3C494C7E}" type="datetime1">
               <a:rPr lang="en-US" smtClean="0"/>
-              <a:t>6/3/2025</a:t>
+              <a:t>6/5/2025</a:t>
             </a:fld>
             <a:endParaRPr lang="en-US" dirty="0"/>
           </a:p>
@@ -2233,7 +3890,7 @@
           <a:p>
             <a:fld id="{1775B394-D9F9-4F0C-B15D-605F45CB9E9F}" type="datetime1">
               <a:rPr lang="en-US" smtClean="0"/>
-              <a:t>6/3/2025</a:t>
+              <a:t>6/5/2025</a:t>
             </a:fld>
             <a:endParaRPr lang="en-US" dirty="0"/>
           </a:p>
@@ -2402,7 +4059,7 @@
           <a:p>
             <a:fld id="{39667345-2558-425A-8533-9BFDBCE15005}" type="datetime1">
               <a:rPr lang="en-US" smtClean="0"/>
-              <a:t>6/3/2025</a:t>
+              <a:t>6/5/2025</a:t>
             </a:fld>
             <a:endParaRPr lang="en-US" dirty="0"/>
           </a:p>
@@ -2743,7 +4400,7 @@
           <a:p>
             <a:fld id="{92BEA474-078D-4E9B-9B14-09A87B19DC46}" type="datetime1">
               <a:rPr lang="en-US" smtClean="0"/>
-              <a:t>6/3/2025</a:t>
+              <a:t>6/5/2025</a:t>
             </a:fld>
             <a:endParaRPr lang="en-US" dirty="0"/>
           </a:p>
@@ -3105,7 +4762,7 @@
           <a:p>
             <a:fld id="{4907D986-8816-4272-A432-0437A28A9828}" type="datetime1">
               <a:rPr lang="en-US" smtClean="0"/>
-              <a:t>6/3/2025</a:t>
+              <a:t>6/5/2025</a:t>
             </a:fld>
             <a:endParaRPr lang="en-US" dirty="0"/>
           </a:p>
@@ -3378,7 +5035,7 @@
           <a:p>
             <a:fld id="{62D6E202-B606-4609-B914-27C9371A1F6D}" type="datetime1">
               <a:rPr lang="en-US" smtClean="0"/>
-              <a:t>6/3/2025</a:t>
+              <a:t>6/5/2025</a:t>
             </a:fld>
             <a:endParaRPr lang="en-US" dirty="0"/>
           </a:p>
@@ -4095,7 +5752,7 @@
           <p:nvPr/>
         </p:nvPicPr>
         <p:blipFill rotWithShape="1">
-          <a:blip r:embed="rId2">
+          <a:blip r:embed="rId3">
             <a:extLst>
               <a:ext uri="{28A0092B-C50C-407E-A947-70E740481C1C}">
                 <a14:useLocalDpi xmlns:a14="http://schemas.microsoft.com/office/drawing/2010/main" val="0"/>
@@ -4305,7 +5962,7 @@
           <p:nvPr/>
         </p:nvPicPr>
         <p:blipFill>
-          <a:blip r:embed="rId2"/>
+          <a:blip r:embed="rId3"/>
           <a:stretch>
             <a:fillRect/>
           </a:stretch>
@@ -4531,7 +6188,7 @@
           <p:nvPr/>
         </p:nvPicPr>
         <p:blipFill>
-          <a:blip r:embed="rId2"/>
+          <a:blip r:embed="rId3"/>
           <a:stretch>
             <a:fillRect/>
           </a:stretch>
@@ -4683,7 +6340,7 @@
           <p:nvPr/>
         </p:nvPicPr>
         <p:blipFill>
-          <a:blip r:embed="rId2"/>
+          <a:blip r:embed="rId3"/>
           <a:stretch>
             <a:fillRect/>
           </a:stretch>
@@ -4850,7 +6507,7 @@
           <p:nvPr/>
         </p:nvPicPr>
         <p:blipFill>
-          <a:blip r:embed="rId2"/>
+          <a:blip r:embed="rId3"/>
           <a:stretch>
             <a:fillRect/>
           </a:stretch>
@@ -4880,7 +6537,7 @@
           <p:nvPr/>
         </p:nvPicPr>
         <p:blipFill>
-          <a:blip r:embed="rId3"/>
+          <a:blip r:embed="rId4"/>
           <a:stretch>
             <a:fillRect/>
           </a:stretch>
@@ -5602,7 +7259,7 @@
             </a:r>
             <a:r>
               <a:rPr lang="en-US" dirty="0">
-                <a:hlinkClick r:id="rId2"/>
+                <a:hlinkClick r:id="rId3"/>
               </a:rPr>
               <a:t>https://www.kaggle.com/datasets/credit-scoring-data</a:t>
             </a:r>
@@ -5615,8 +7272,13 @@
             </a:pPr>
             <a:r>
               <a:rPr lang="en-US" dirty="0"/>
-              <a:t> Contains five demographic fields:</a:t>
-            </a:r>
+              <a:t> Contains five demographic fields </a:t>
+            </a:r>
+            <a:r>
+              <a:rPr lang="en-US"/>
+              <a:t>from approved loans:</a:t>
+            </a:r>
+            <a:endParaRPr lang="en-US" dirty="0"/>
           </a:p>
           <a:p>
             <a:pPr lvl="1">
@@ -5998,7 +7660,7 @@
           <p:nvPr/>
         </p:nvPicPr>
         <p:blipFill>
-          <a:blip r:embed="rId2"/>
+          <a:blip r:embed="rId3"/>
           <a:stretch>
             <a:fillRect/>
           </a:stretch>
@@ -6028,7 +7690,7 @@
           <p:nvPr/>
         </p:nvPicPr>
         <p:blipFill>
-          <a:blip r:embed="rId3"/>
+          <a:blip r:embed="rId4"/>
           <a:stretch>
             <a:fillRect/>
           </a:stretch>
@@ -6058,7 +7720,7 @@
           <p:nvPr/>
         </p:nvPicPr>
         <p:blipFill>
-          <a:blip r:embed="rId4"/>
+          <a:blip r:embed="rId5"/>
           <a:stretch>
             <a:fillRect/>
           </a:stretch>
@@ -6240,7 +7902,7 @@
           <p:nvPr/>
         </p:nvPicPr>
         <p:blipFill>
-          <a:blip r:embed="rId2"/>
+          <a:blip r:embed="rId3"/>
           <a:stretch>
             <a:fillRect/>
           </a:stretch>
@@ -6378,7 +8040,7 @@
           <p:nvPr/>
         </p:nvPicPr>
         <p:blipFill>
-          <a:blip r:embed="rId2"/>
+          <a:blip r:embed="rId3"/>
           <a:stretch>
             <a:fillRect/>
           </a:stretch>
@@ -6599,7 +8261,7 @@
           <p:nvPr/>
         </p:nvPicPr>
         <p:blipFill>
-          <a:blip r:embed="rId2"/>
+          <a:blip r:embed="rId3"/>
           <a:stretch>
             <a:fillRect/>
           </a:stretch>
@@ -6756,7 +8418,7 @@
           <p:nvPr/>
         </p:nvPicPr>
         <p:blipFill>
-          <a:blip r:embed="rId2"/>
+          <a:blip r:embed="rId3"/>
           <a:stretch>
             <a:fillRect/>
           </a:stretch>
@@ -7079,16 +8741,322 @@
 </a:theme>
 </file>
 
-<file path=customXml/item1.xml><?xml version="1.0" encoding="utf-8"?>
-<?mso-contentType ?>
-<FormTemplates xmlns="http://schemas.microsoft.com/sharepoint/v3/contenttype/forms">
-  <Display>DocumentLibraryForm</Display>
-  <Edit>DocumentLibraryForm</Edit>
-  <New>DocumentLibraryForm</New>
-</FormTemplates>
+<file path=ppt/theme/theme2.xml><?xml version="1.0" encoding="utf-8"?>
+<a:theme xmlns:a="http://schemas.openxmlformats.org/drawingml/2006/main" name="Office Theme">
+  <a:themeElements>
+    <a:clrScheme name="Office">
+      <a:dk1>
+        <a:sysClr val="windowText" lastClr="000000"/>
+      </a:dk1>
+      <a:lt1>
+        <a:sysClr val="window" lastClr="FFFFFF"/>
+      </a:lt1>
+      <a:dk2>
+        <a:srgbClr val="0E2841"/>
+      </a:dk2>
+      <a:lt2>
+        <a:srgbClr val="E8E8E8"/>
+      </a:lt2>
+      <a:accent1>
+        <a:srgbClr val="156082"/>
+      </a:accent1>
+      <a:accent2>
+        <a:srgbClr val="E97132"/>
+      </a:accent2>
+      <a:accent3>
+        <a:srgbClr val="196B24"/>
+      </a:accent3>
+      <a:accent4>
+        <a:srgbClr val="0F9ED5"/>
+      </a:accent4>
+      <a:accent5>
+        <a:srgbClr val="A02B93"/>
+      </a:accent5>
+      <a:accent6>
+        <a:srgbClr val="4EA72E"/>
+      </a:accent6>
+      <a:hlink>
+        <a:srgbClr val="467886"/>
+      </a:hlink>
+      <a:folHlink>
+        <a:srgbClr val="96607D"/>
+      </a:folHlink>
+    </a:clrScheme>
+    <a:fontScheme name="Office">
+      <a:majorFont>
+        <a:latin typeface="Aptos Display" panose="02110004020202020204"/>
+        <a:ea typeface=""/>
+        <a:cs typeface=""/>
+        <a:font script="Jpan" typeface="游ゴシック Light"/>
+        <a:font script="Hang" typeface="맑은 고딕"/>
+        <a:font script="Hans" typeface="等线 Light"/>
+        <a:font script="Hant" typeface="新細明體"/>
+        <a:font script="Arab" typeface="Times New Roman"/>
+        <a:font script="Hebr" typeface="Times New Roman"/>
+        <a:font script="Thai" typeface="Angsana New"/>
+        <a:font script="Ethi" typeface="Nyala"/>
+        <a:font script="Beng" typeface="Vrinda"/>
+        <a:font script="Gujr" typeface="Shruti"/>
+        <a:font script="Khmr" typeface="MoolBoran"/>
+        <a:font script="Knda" typeface="Tunga"/>
+        <a:font script="Guru" typeface="Raavi"/>
+        <a:font script="Cans" typeface="Euphemia"/>
+        <a:font script="Cher" typeface="Plantagenet Cherokee"/>
+        <a:font script="Yiii" typeface="Microsoft Yi Baiti"/>
+        <a:font script="Tibt" typeface="Microsoft Himalaya"/>
+        <a:font script="Thaa" typeface="MV Boli"/>
+        <a:font script="Deva" typeface="Mangal"/>
+        <a:font script="Telu" typeface="Gautami"/>
+        <a:font script="Taml" typeface="Latha"/>
+        <a:font script="Syrc" typeface="Estrangelo Edessa"/>
+        <a:font script="Orya" typeface="Kalinga"/>
+        <a:font script="Mlym" typeface="Kartika"/>
+        <a:font script="Laoo" typeface="DokChampa"/>
+        <a:font script="Sinh" typeface="Iskoola Pota"/>
+        <a:font script="Mong" typeface="Mongolian Baiti"/>
+        <a:font script="Viet" typeface="Times New Roman"/>
+        <a:font script="Uigh" typeface="Microsoft Uighur"/>
+        <a:font script="Geor" typeface="Sylfaen"/>
+        <a:font script="Armn" typeface="Arial"/>
+        <a:font script="Bugi" typeface="Leelawadee UI"/>
+        <a:font script="Bopo" typeface="Microsoft JhengHei"/>
+        <a:font script="Java" typeface="Javanese Text"/>
+        <a:font script="Lisu" typeface="Segoe UI"/>
+        <a:font script="Mymr" typeface="Myanmar Text"/>
+        <a:font script="Nkoo" typeface="Ebrima"/>
+        <a:font script="Olck" typeface="Nirmala UI"/>
+        <a:font script="Osma" typeface="Ebrima"/>
+        <a:font script="Phag" typeface="Phagspa"/>
+        <a:font script="Syrn" typeface="Estrangelo Edessa"/>
+        <a:font script="Syrj" typeface="Estrangelo Edessa"/>
+        <a:font script="Syre" typeface="Estrangelo Edessa"/>
+        <a:font script="Sora" typeface="Nirmala UI"/>
+        <a:font script="Tale" typeface="Microsoft Tai Le"/>
+        <a:font script="Talu" typeface="Microsoft New Tai Lue"/>
+        <a:font script="Tfng" typeface="Ebrima"/>
+      </a:majorFont>
+      <a:minorFont>
+        <a:latin typeface="Aptos" panose="02110004020202020204"/>
+        <a:ea typeface=""/>
+        <a:cs typeface=""/>
+        <a:font script="Jpan" typeface="游ゴシック"/>
+        <a:font script="Hang" typeface="맑은 고딕"/>
+        <a:font script="Hans" typeface="等线"/>
+        <a:font script="Hant" typeface="新細明體"/>
+        <a:font script="Arab" typeface="Arial"/>
+        <a:font script="Hebr" typeface="Arial"/>
+        <a:font script="Thai" typeface="Cordia New"/>
+        <a:font script="Ethi" typeface="Nyala"/>
+        <a:font script="Beng" typeface="Vrinda"/>
+        <a:font script="Gujr" typeface="Shruti"/>
+        <a:font script="Khmr" typeface="DaunPenh"/>
+        <a:font script="Knda" typeface="Tunga"/>
+        <a:font script="Guru" typeface="Raavi"/>
+        <a:font script="Cans" typeface="Euphemia"/>
+        <a:font script="Cher" typeface="Plantagenet Cherokee"/>
+        <a:font script="Yiii" typeface="Microsoft Yi Baiti"/>
+        <a:font script="Tibt" typeface="Microsoft Himalaya"/>
+        <a:font script="Thaa" typeface="MV Boli"/>
+        <a:font script="Deva" typeface="Mangal"/>
+        <a:font script="Telu" typeface="Gautami"/>
+        <a:font script="Taml" typeface="Latha"/>
+        <a:font script="Syrc" typeface="Estrangelo Edessa"/>
+        <a:font script="Orya" typeface="Kalinga"/>
+        <a:font script="Mlym" typeface="Kartika"/>
+        <a:font script="Laoo" typeface="DokChampa"/>
+        <a:font script="Sinh" typeface="Iskoola Pota"/>
+        <a:font script="Mong" typeface="Mongolian Baiti"/>
+        <a:font script="Viet" typeface="Arial"/>
+        <a:font script="Uigh" typeface="Microsoft Uighur"/>
+        <a:font script="Geor" typeface="Sylfaen"/>
+        <a:font script="Armn" typeface="Arial"/>
+        <a:font script="Bugi" typeface="Leelawadee UI"/>
+        <a:font script="Bopo" typeface="Microsoft JhengHei"/>
+        <a:font script="Java" typeface="Javanese Text"/>
+        <a:font script="Lisu" typeface="Segoe UI"/>
+        <a:font script="Mymr" typeface="Myanmar Text"/>
+        <a:font script="Nkoo" typeface="Ebrima"/>
+        <a:font script="Olck" typeface="Nirmala UI"/>
+        <a:font script="Osma" typeface="Ebrima"/>
+        <a:font script="Phag" typeface="Phagspa"/>
+        <a:font script="Syrn" typeface="Estrangelo Edessa"/>
+        <a:font script="Syrj" typeface="Estrangelo Edessa"/>
+        <a:font script="Syre" typeface="Estrangelo Edessa"/>
+        <a:font script="Sora" typeface="Nirmala UI"/>
+        <a:font script="Tale" typeface="Microsoft Tai Le"/>
+        <a:font script="Talu" typeface="Microsoft New Tai Lue"/>
+        <a:font script="Tfng" typeface="Ebrima"/>
+      </a:minorFont>
+    </a:fontScheme>
+    <a:fmtScheme name="Office">
+      <a:fillStyleLst>
+        <a:solidFill>
+          <a:schemeClr val="phClr"/>
+        </a:solidFill>
+        <a:gradFill rotWithShape="1">
+          <a:gsLst>
+            <a:gs pos="0">
+              <a:schemeClr val="phClr">
+                <a:lumMod val="110000"/>
+                <a:satMod val="105000"/>
+                <a:tint val="67000"/>
+              </a:schemeClr>
+            </a:gs>
+            <a:gs pos="50000">
+              <a:schemeClr val="phClr">
+                <a:lumMod val="105000"/>
+                <a:satMod val="103000"/>
+                <a:tint val="73000"/>
+              </a:schemeClr>
+            </a:gs>
+            <a:gs pos="100000">
+              <a:schemeClr val="phClr">
+                <a:lumMod val="105000"/>
+                <a:satMod val="109000"/>
+                <a:tint val="81000"/>
+              </a:schemeClr>
+            </a:gs>
+          </a:gsLst>
+          <a:lin ang="5400000" scaled="0"/>
+        </a:gradFill>
+        <a:gradFill rotWithShape="1">
+          <a:gsLst>
+            <a:gs pos="0">
+              <a:schemeClr val="phClr">
+                <a:satMod val="103000"/>
+                <a:lumMod val="102000"/>
+                <a:tint val="94000"/>
+              </a:schemeClr>
+            </a:gs>
+            <a:gs pos="50000">
+              <a:schemeClr val="phClr">
+                <a:satMod val="110000"/>
+                <a:lumMod val="100000"/>
+                <a:shade val="100000"/>
+              </a:schemeClr>
+            </a:gs>
+            <a:gs pos="100000">
+              <a:schemeClr val="phClr">
+                <a:lumMod val="99000"/>
+                <a:satMod val="120000"/>
+                <a:shade val="78000"/>
+              </a:schemeClr>
+            </a:gs>
+          </a:gsLst>
+          <a:lin ang="5400000" scaled="0"/>
+        </a:gradFill>
+      </a:fillStyleLst>
+      <a:lnStyleLst>
+        <a:ln w="12700" cap="flat" cmpd="sng" algn="ctr">
+          <a:solidFill>
+            <a:schemeClr val="phClr"/>
+          </a:solidFill>
+          <a:prstDash val="solid"/>
+          <a:miter lim="800000"/>
+        </a:ln>
+        <a:ln w="19050" cap="flat" cmpd="sng" algn="ctr">
+          <a:solidFill>
+            <a:schemeClr val="phClr"/>
+          </a:solidFill>
+          <a:prstDash val="solid"/>
+          <a:miter lim="800000"/>
+        </a:ln>
+        <a:ln w="25400" cap="flat" cmpd="sng" algn="ctr">
+          <a:solidFill>
+            <a:schemeClr val="phClr"/>
+          </a:solidFill>
+          <a:prstDash val="solid"/>
+          <a:miter lim="800000"/>
+        </a:ln>
+      </a:lnStyleLst>
+      <a:effectStyleLst>
+        <a:effectStyle>
+          <a:effectLst/>
+        </a:effectStyle>
+        <a:effectStyle>
+          <a:effectLst/>
+        </a:effectStyle>
+        <a:effectStyle>
+          <a:effectLst>
+            <a:outerShdw blurRad="57150" dist="19050" dir="5400000" algn="ctr" rotWithShape="0">
+              <a:srgbClr val="000000">
+                <a:alpha val="63000"/>
+              </a:srgbClr>
+            </a:outerShdw>
+          </a:effectLst>
+        </a:effectStyle>
+      </a:effectStyleLst>
+      <a:bgFillStyleLst>
+        <a:solidFill>
+          <a:schemeClr val="phClr"/>
+        </a:solidFill>
+        <a:solidFill>
+          <a:schemeClr val="phClr">
+            <a:tint val="95000"/>
+            <a:satMod val="170000"/>
+          </a:schemeClr>
+        </a:solidFill>
+        <a:gradFill rotWithShape="1">
+          <a:gsLst>
+            <a:gs pos="0">
+              <a:schemeClr val="phClr">
+                <a:tint val="93000"/>
+                <a:satMod val="150000"/>
+                <a:shade val="98000"/>
+                <a:lumMod val="102000"/>
+              </a:schemeClr>
+            </a:gs>
+            <a:gs pos="50000">
+              <a:schemeClr val="phClr">
+                <a:tint val="98000"/>
+                <a:satMod val="130000"/>
+                <a:shade val="90000"/>
+                <a:lumMod val="103000"/>
+              </a:schemeClr>
+            </a:gs>
+            <a:gs pos="100000">
+              <a:schemeClr val="phClr">
+                <a:shade val="63000"/>
+                <a:satMod val="120000"/>
+              </a:schemeClr>
+            </a:gs>
+          </a:gsLst>
+          <a:lin ang="5400000" scaled="0"/>
+        </a:gradFill>
+      </a:bgFillStyleLst>
+    </a:fmtScheme>
+  </a:themeElements>
+  <a:objectDefaults>
+    <a:lnDef>
+      <a:spPr/>
+      <a:bodyPr/>
+      <a:lstStyle/>
+      <a:style>
+        <a:lnRef idx="2">
+          <a:schemeClr val="accent1"/>
+        </a:lnRef>
+        <a:fillRef idx="0">
+          <a:schemeClr val="accent1"/>
+        </a:fillRef>
+        <a:effectRef idx="1">
+          <a:schemeClr val="accent1"/>
+        </a:effectRef>
+        <a:fontRef idx="minor">
+          <a:schemeClr val="tx1"/>
+        </a:fontRef>
+      </a:style>
+    </a:lnDef>
+  </a:objectDefaults>
+  <a:extraClrSchemeLst/>
+  <a:extLst>
+    <a:ext uri="{05A4C25C-085E-4340-85A3-A5531E510DB2}">
+      <thm15:themeFamily xmlns:thm15="http://schemas.microsoft.com/office/thememl/2012/main" name="Office Theme" id="{2E142A2C-CD16-42D6-873A-C26D2A0506FA}" vid="{1BDDFF52-6CD6-40A5-AB3C-68EB2F1E4D0A}"/>
+    </a:ext>
+  </a:extLst>
+</a:theme>
 </file>
 
-<file path=customXml/item2.xml><?xml version="1.0" encoding="utf-8"?>
+<file path=customXml/item1.xml><?xml version="1.0" encoding="utf-8"?>
 <p:properties xmlns:p="http://schemas.microsoft.com/office/2006/metadata/properties" xmlns:xsi="http://www.w3.org/2001/XMLSchema-instance" xmlns:pc="http://schemas.microsoft.com/office/infopath/2007/PartnerControls">
   <documentManagement>
     <_ip_UnifiedCompliancePolicyUIAction xmlns="http://schemas.microsoft.com/sharepoint/v3" xsi:nil="true"/>
@@ -7106,6 +9074,15 @@
     <MediaServiceKeyPoints xmlns="71af3243-3dd4-4a8d-8c0d-dd76da1f02a5" xsi:nil="true"/>
   </documentManagement>
 </p:properties>
+</file>
+
+<file path=customXml/item2.xml><?xml version="1.0" encoding="utf-8"?>
+<?mso-contentType ?>
+<FormTemplates xmlns="http://schemas.microsoft.com/sharepoint/v3/contenttype/forms">
+  <Display>DocumentLibraryForm</Display>
+  <Edit>DocumentLibraryForm</Edit>
+  <New>DocumentLibraryForm</New>
+</FormTemplates>
 </file>
 
 <file path=customXml/item3.xml><?xml version="1.0" encoding="utf-8"?>
@@ -7415,14 +9392,6 @@
 </file>
 
 <file path=customXml/itemProps1.xml><?xml version="1.0" encoding="utf-8"?>
-<ds:datastoreItem xmlns:ds="http://schemas.openxmlformats.org/officeDocument/2006/customXml" ds:itemID="{19DAD249-BF80-48EF-9AFB-36A11BCDC2CE}">
-  <ds:schemaRefs>
-    <ds:schemaRef ds:uri="http://schemas.microsoft.com/sharepoint/v3/contenttype/forms"/>
-  </ds:schemaRefs>
-</ds:datastoreItem>
-</file>
-
-<file path=customXml/itemProps2.xml><?xml version="1.0" encoding="utf-8"?>
 <ds:datastoreItem xmlns:ds="http://schemas.openxmlformats.org/officeDocument/2006/customXml" ds:itemID="{6F4F4D41-822D-40F2-A7AC-E4E6CB36CA7A}">
   <ds:schemaRefs>
     <ds:schemaRef ds:uri="http://schemas.microsoft.com/office/2006/metadata/properties"/>
@@ -7430,6 +9399,14 @@
     <ds:schemaRef ds:uri="http://schemas.microsoft.com/sharepoint/v3"/>
     <ds:schemaRef ds:uri="71af3243-3dd4-4a8d-8c0d-dd76da1f02a5"/>
     <ds:schemaRef ds:uri="230e9df3-be65-4c73-a93b-d1236ebd677e"/>
+  </ds:schemaRefs>
+</ds:datastoreItem>
+</file>
+
+<file path=customXml/itemProps2.xml><?xml version="1.0" encoding="utf-8"?>
+<ds:datastoreItem xmlns:ds="http://schemas.openxmlformats.org/officeDocument/2006/customXml" ds:itemID="{19DAD249-BF80-48EF-9AFB-36A11BCDC2CE}">
+  <ds:schemaRefs>
+    <ds:schemaRef ds:uri="http://schemas.microsoft.com/sharepoint/v3/contenttype/forms"/>
   </ds:schemaRefs>
 </ds:datastoreItem>
 </file>
